--- a/cogDev/Unit_0_slides_CogniDev.pptx
+++ b/cogDev/Unit_0_slides_CogniDev.pptx
@@ -14157,6 +14157,9 @@
               <a:spcBef>
                 <a:spcPts val="0"/>
               </a:spcBef>
+              <a:spcAft>
+                <a:spcPts val="600"/>
+              </a:spcAft>
               <a:buClrTx/>
               <a:buFont typeface="Arial"/>
               <a:buChar char="•"/>
@@ -14169,7 +14172,7 @@
           <a:p>
             <a:pPr lvl="1">
               <a:lnSpc>
-                <a:spcPct val="150000"/>
+                <a:spcPct val="100000"/>
               </a:lnSpc>
               <a:spcBef>
                 <a:spcPts val="0"/>

--- a/cogDev/Unit_0_slides_CogniDev.pptx
+++ b/cogDev/Unit_0_slides_CogniDev.pptx
@@ -10200,7 +10200,7 @@
           <p:cNvPr id="2" name="Title 1">
             <a:extLst>
               <a:ext uri="{FF2B5EF4-FFF2-40B4-BE49-F238E27FC236}">
-                <a16:creationId xmlns:a16="http://schemas.microsoft.com/office/drawing/2014/main" xmlns="" id="{6B4D9F9A-308C-3143-AA5E-8A8B10D2EA07}"/>
+                <a16:creationId xmlns="" xmlns:a16="http://schemas.microsoft.com/office/drawing/2014/main" id="{6B4D9F9A-308C-3143-AA5E-8A8B10D2EA07}"/>
               </a:ext>
             </a:extLst>
           </p:cNvPr>
@@ -10234,7 +10234,7 @@
           <p:cNvPr id="3" name="Content Placeholder 2">
             <a:extLst>
               <a:ext uri="{FF2B5EF4-FFF2-40B4-BE49-F238E27FC236}">
-                <a16:creationId xmlns:a16="http://schemas.microsoft.com/office/drawing/2014/main" xmlns="" id="{66257D45-C033-A346-9E0C-51A5778F8A32}"/>
+                <a16:creationId xmlns="" xmlns:a16="http://schemas.microsoft.com/office/drawing/2014/main" id="{66257D45-C033-A346-9E0C-51A5778F8A32}"/>
               </a:ext>
             </a:extLst>
           </p:cNvPr>
@@ -10305,7 +10305,7 @@
           <p:cNvPr id="4" name="Content Placeholder 2">
             <a:extLst>
               <a:ext uri="{FF2B5EF4-FFF2-40B4-BE49-F238E27FC236}">
-                <a16:creationId xmlns:a16="http://schemas.microsoft.com/office/drawing/2014/main" xmlns="" id="{66257D45-C033-A346-9E0C-51A5778F8A32}"/>
+                <a16:creationId xmlns="" xmlns:a16="http://schemas.microsoft.com/office/drawing/2014/main" id="{66257D45-C033-A346-9E0C-51A5778F8A32}"/>
               </a:ext>
             </a:extLst>
           </p:cNvPr>
@@ -10979,7 +10979,7 @@
           <p:cNvPr id="2" name="Title 1">
             <a:extLst>
               <a:ext uri="{FF2B5EF4-FFF2-40B4-BE49-F238E27FC236}">
-                <a16:creationId xmlns:a16="http://schemas.microsoft.com/office/drawing/2014/main" xmlns="" id="{6B4D9F9A-308C-3143-AA5E-8A8B10D2EA07}"/>
+                <a16:creationId xmlns="" xmlns:a16="http://schemas.microsoft.com/office/drawing/2014/main" id="{6B4D9F9A-308C-3143-AA5E-8A8B10D2EA07}"/>
               </a:ext>
             </a:extLst>
           </p:cNvPr>
@@ -11013,7 +11013,7 @@
           <p:cNvPr id="3" name="Content Placeholder 2">
             <a:extLst>
               <a:ext uri="{FF2B5EF4-FFF2-40B4-BE49-F238E27FC236}">
-                <a16:creationId xmlns:a16="http://schemas.microsoft.com/office/drawing/2014/main" xmlns="" id="{66257D45-C033-A346-9E0C-51A5778F8A32}"/>
+                <a16:creationId xmlns="" xmlns:a16="http://schemas.microsoft.com/office/drawing/2014/main" id="{66257D45-C033-A346-9E0C-51A5778F8A32}"/>
               </a:ext>
             </a:extLst>
           </p:cNvPr>
@@ -11084,7 +11084,7 @@
           <p:cNvPr id="4" name="Content Placeholder 2">
             <a:extLst>
               <a:ext uri="{FF2B5EF4-FFF2-40B4-BE49-F238E27FC236}">
-                <a16:creationId xmlns:a16="http://schemas.microsoft.com/office/drawing/2014/main" xmlns="" id="{66257D45-C033-A346-9E0C-51A5778F8A32}"/>
+                <a16:creationId xmlns="" xmlns:a16="http://schemas.microsoft.com/office/drawing/2014/main" id="{66257D45-C033-A346-9E0C-51A5778F8A32}"/>
               </a:ext>
             </a:extLst>
           </p:cNvPr>
@@ -11348,11 +11348,7 @@
             </a:pPr>
             <a:r>
               <a:rPr lang="en-US" sz="1600" dirty="0" smtClean="0"/>
-              <a:t>Between </a:t>
-            </a:r>
-            <a:r>
-              <a:rPr lang="en-US" sz="1600" dirty="0" smtClean="0"/>
-              <a:t>the ages of </a:t>
+              <a:t>Between the ages of </a:t>
             </a:r>
             <a:r>
               <a:rPr lang="en-US" sz="1600" b="1" dirty="0" smtClean="0"/>
@@ -11769,7 +11765,7 @@
           <p:cNvPr id="2" name="Title 1">
             <a:extLst>
               <a:ext uri="{FF2B5EF4-FFF2-40B4-BE49-F238E27FC236}">
-                <a16:creationId xmlns:a16="http://schemas.microsoft.com/office/drawing/2014/main" xmlns="" id="{6B4D9F9A-308C-3143-AA5E-8A8B10D2EA07}"/>
+                <a16:creationId xmlns="" xmlns:a16="http://schemas.microsoft.com/office/drawing/2014/main" id="{6B4D9F9A-308C-3143-AA5E-8A8B10D2EA07}"/>
               </a:ext>
             </a:extLst>
           </p:cNvPr>
@@ -11811,7 +11807,7 @@
           <p:cNvPr id="3" name="Content Placeholder 2">
             <a:extLst>
               <a:ext uri="{FF2B5EF4-FFF2-40B4-BE49-F238E27FC236}">
-                <a16:creationId xmlns:a16="http://schemas.microsoft.com/office/drawing/2014/main" xmlns="" id="{66257D45-C033-A346-9E0C-51A5778F8A32}"/>
+                <a16:creationId xmlns="" xmlns:a16="http://schemas.microsoft.com/office/drawing/2014/main" id="{66257D45-C033-A346-9E0C-51A5778F8A32}"/>
               </a:ext>
             </a:extLst>
           </p:cNvPr>
@@ -12094,7 +12090,7 @@
           <p:cNvPr id="12" name="Content Placeholder 2">
             <a:extLst>
               <a:ext uri="{FF2B5EF4-FFF2-40B4-BE49-F238E27FC236}">
-                <a16:creationId xmlns:a16="http://schemas.microsoft.com/office/drawing/2014/main" xmlns="" id="{66257D45-C033-A346-9E0C-51A5778F8A32}"/>
+                <a16:creationId xmlns="" xmlns:a16="http://schemas.microsoft.com/office/drawing/2014/main" id="{66257D45-C033-A346-9E0C-51A5778F8A32}"/>
               </a:ext>
             </a:extLst>
           </p:cNvPr>
@@ -12369,7 +12365,7 @@
           <p:cNvPr id="2" name="Title 1">
             <a:extLst>
               <a:ext uri="{FF2B5EF4-FFF2-40B4-BE49-F238E27FC236}">
-                <a16:creationId xmlns:a16="http://schemas.microsoft.com/office/drawing/2014/main" xmlns="" id="{6B4D9F9A-308C-3143-AA5E-8A8B10D2EA07}"/>
+                <a16:creationId xmlns="" xmlns:a16="http://schemas.microsoft.com/office/drawing/2014/main" id="{6B4D9F9A-308C-3143-AA5E-8A8B10D2EA07}"/>
               </a:ext>
             </a:extLst>
           </p:cNvPr>
@@ -12398,7 +12394,7 @@
           <p:cNvPr id="3" name="Content Placeholder 2">
             <a:extLst>
               <a:ext uri="{FF2B5EF4-FFF2-40B4-BE49-F238E27FC236}">
-                <a16:creationId xmlns:a16="http://schemas.microsoft.com/office/drawing/2014/main" xmlns="" id="{66257D45-C033-A346-9E0C-51A5778F8A32}"/>
+                <a16:creationId xmlns="" xmlns:a16="http://schemas.microsoft.com/office/drawing/2014/main" id="{66257D45-C033-A346-9E0C-51A5778F8A32}"/>
               </a:ext>
             </a:extLst>
           </p:cNvPr>
@@ -12739,11 +12735,7 @@
             <a:pPr lvl="1"/>
             <a:r>
               <a:rPr lang="en-US" sz="1800" dirty="0" smtClean="0"/>
-              <a:t>Parts of chapter 1 (“The Science of Cognition”) and chapter 14 (“Individual Differences in Cognition</a:t>
-            </a:r>
-            <a:r>
-              <a:rPr lang="en-US" sz="1800" dirty="0" smtClean="0"/>
-              <a:t>”)</a:t>
+              <a:t>Parts of chapter 1 (“The Science of Cognition”) and chapter 14 (“Individual Differences in Cognition”)</a:t>
             </a:r>
           </a:p>
           <a:p>
@@ -12768,7 +12760,6 @@
               <a:rPr lang="en-US" sz="1400" dirty="0" smtClean="0"/>
               <a:t> </a:t>
             </a:r>
-            <a:endParaRPr lang="en-US" sz="1400" dirty="0" smtClean="0"/>
           </a:p>
         </p:txBody>
       </p:sp>
@@ -12817,7 +12808,7 @@
           <p:cNvPr id="2" name="Title 1">
             <a:extLst>
               <a:ext uri="{FF2B5EF4-FFF2-40B4-BE49-F238E27FC236}">
-                <a16:creationId xmlns:a16="http://schemas.microsoft.com/office/drawing/2014/main" xmlns="" id="{6B4D9F9A-308C-3143-AA5E-8A8B10D2EA07}"/>
+                <a16:creationId xmlns="" xmlns:a16="http://schemas.microsoft.com/office/drawing/2014/main" id="{6B4D9F9A-308C-3143-AA5E-8A8B10D2EA07}"/>
               </a:ext>
             </a:extLst>
           </p:cNvPr>
@@ -12846,7 +12837,7 @@
           <p:cNvPr id="3" name="Content Placeholder 2">
             <a:extLst>
               <a:ext uri="{FF2B5EF4-FFF2-40B4-BE49-F238E27FC236}">
-                <a16:creationId xmlns:a16="http://schemas.microsoft.com/office/drawing/2014/main" xmlns="" id="{66257D45-C033-A346-9E0C-51A5778F8A32}"/>
+                <a16:creationId xmlns="" xmlns:a16="http://schemas.microsoft.com/office/drawing/2014/main" id="{66257D45-C033-A346-9E0C-51A5778F8A32}"/>
               </a:ext>
             </a:extLst>
           </p:cNvPr>
@@ -12992,15 +12983,7 @@
             </a:pPr>
             <a:r>
               <a:rPr lang="en-US" sz="1800" dirty="0" smtClean="0"/>
-              <a:t>Reflecting on previous unit </a:t>
-            </a:r>
-            <a:r>
-              <a:rPr lang="en-US" sz="1800" dirty="0" smtClean="0"/>
-              <a:t>(answering 1-2 questions</a:t>
-            </a:r>
-            <a:r>
-              <a:rPr lang="en-US" sz="1800" dirty="0" smtClean="0"/>
-              <a:t>)</a:t>
+              <a:t>Reflecting on previous unit (answering 1-2 questions)</a:t>
             </a:r>
           </a:p>
           <a:p>
@@ -13018,17 +13001,8 @@
             </a:pPr>
             <a:r>
               <a:rPr lang="en-US" sz="1800" dirty="0" smtClean="0"/>
-              <a:t>Preparing </a:t>
-            </a:r>
-            <a:r>
-              <a:rPr lang="en-US" sz="1800" dirty="0" smtClean="0"/>
-              <a:t>for the next unit by reading a topic-related </a:t>
-            </a:r>
-            <a:r>
-              <a:rPr lang="en-US" sz="1800" dirty="0" smtClean="0"/>
-              <a:t>(short) article (answering 3-5 questions)</a:t>
-            </a:r>
-            <a:endParaRPr lang="en-US" sz="1800" dirty="0" smtClean="0"/>
+              <a:t>Preparing for the next unit by reading a topic-related (short) article (answering 3-5 questions)</a:t>
+            </a:r>
           </a:p>
           <a:p>
             <a:pPr lvl="2">
@@ -13084,19 +13058,7 @@
             </a:pPr>
             <a:r>
               <a:rPr lang="en-US" sz="1800" dirty="0" smtClean="0"/>
-              <a:t>Answering open-ended questions on presented course contents </a:t>
-            </a:r>
-            <a:r>
-              <a:rPr lang="en-US" sz="1800" dirty="0" smtClean="0"/>
-              <a:t>(to be returned within </a:t>
-            </a:r>
-            <a:r>
-              <a:rPr lang="en-US" sz="1800" dirty="0" smtClean="0"/>
-              <a:t>one </a:t>
-            </a:r>
-            <a:r>
-              <a:rPr lang="en-US" sz="1800" dirty="0" smtClean="0"/>
-              <a:t>week</a:t>
+              <a:t>Answering open-ended questions on presented course contents (to be returned within one week</a:t>
             </a:r>
             <a:r>
               <a:rPr lang="en-US" sz="1800" dirty="0"/>
@@ -13150,7 +13112,6 @@
               <a:rPr lang="en-US" sz="1800" dirty="0" smtClean="0"/>
               <a:t> </a:t>
             </a:r>
-            <a:endParaRPr lang="en-US" sz="1800" dirty="0" smtClean="0"/>
           </a:p>
           <a:p>
             <a:pPr lvl="1">
@@ -13214,7 +13175,7 @@
           <p:cNvPr id="2" name="Title 1">
             <a:extLst>
               <a:ext uri="{FF2B5EF4-FFF2-40B4-BE49-F238E27FC236}">
-                <a16:creationId xmlns:a16="http://schemas.microsoft.com/office/drawing/2014/main" xmlns="" id="{6B4D9F9A-308C-3143-AA5E-8A8B10D2EA07}"/>
+                <a16:creationId xmlns="" xmlns:a16="http://schemas.microsoft.com/office/drawing/2014/main" id="{6B4D9F9A-308C-3143-AA5E-8A8B10D2EA07}"/>
               </a:ext>
             </a:extLst>
           </p:cNvPr>
@@ -13243,7 +13204,7 @@
           <p:cNvPr id="3" name="Content Placeholder 2">
             <a:extLst>
               <a:ext uri="{FF2B5EF4-FFF2-40B4-BE49-F238E27FC236}">
-                <a16:creationId xmlns:a16="http://schemas.microsoft.com/office/drawing/2014/main" xmlns="" id="{66257D45-C033-A346-9E0C-51A5778F8A32}"/>
+                <a16:creationId xmlns="" xmlns:a16="http://schemas.microsoft.com/office/drawing/2014/main" id="{66257D45-C033-A346-9E0C-51A5778F8A32}"/>
               </a:ext>
             </a:extLst>
           </p:cNvPr>
@@ -13490,13 +13451,8 @@
             </a:r>
             <a:r>
               <a:rPr lang="en-US" sz="1600" b="1" dirty="0" smtClean="0"/>
-              <a:t> of April, </a:t>
-            </a:r>
-            <a:r>
-              <a:rPr lang="en-US" sz="1600" b="1" dirty="0" smtClean="0"/>
-              <a:t>lecture provided as video; seminar in T-412)</a:t>
-            </a:r>
-            <a:endParaRPr lang="en-US" sz="1600" b="1" dirty="0" smtClean="0"/>
+              <a:t> of April, lecture provided as video; seminar in T-412)</a:t>
+            </a:r>
           </a:p>
           <a:p>
             <a:pPr>
@@ -13594,11 +13550,7 @@
             </a:r>
             <a:r>
               <a:rPr lang="en-US" sz="1600" b="1" dirty="0" smtClean="0"/>
-              <a:t> of </a:t>
-            </a:r>
-            <a:r>
-              <a:rPr lang="en-US" sz="1600" b="1" dirty="0" smtClean="0"/>
-              <a:t>April)</a:t>
+              <a:t> of April)</a:t>
             </a:r>
             <a:endParaRPr lang="en-US" sz="1600" b="1" dirty="0"/>
           </a:p>
@@ -13649,7 +13601,7 @@
           <p:cNvPr id="2" name="Title 1">
             <a:extLst>
               <a:ext uri="{FF2B5EF4-FFF2-40B4-BE49-F238E27FC236}">
-                <a16:creationId xmlns:a16="http://schemas.microsoft.com/office/drawing/2014/main" xmlns="" id="{6B4D9F9A-308C-3143-AA5E-8A8B10D2EA07}"/>
+                <a16:creationId xmlns="" xmlns:a16="http://schemas.microsoft.com/office/drawing/2014/main" id="{6B4D9F9A-308C-3143-AA5E-8A8B10D2EA07}"/>
               </a:ext>
             </a:extLst>
           </p:cNvPr>
@@ -13683,7 +13635,7 @@
           <p:cNvPr id="3" name="Content Placeholder 2">
             <a:extLst>
               <a:ext uri="{FF2B5EF4-FFF2-40B4-BE49-F238E27FC236}">
-                <a16:creationId xmlns:a16="http://schemas.microsoft.com/office/drawing/2014/main" xmlns="" id="{66257D45-C033-A346-9E0C-51A5778F8A32}"/>
+                <a16:creationId xmlns="" xmlns:a16="http://schemas.microsoft.com/office/drawing/2014/main" id="{66257D45-C033-A346-9E0C-51A5778F8A32}"/>
               </a:ext>
             </a:extLst>
           </p:cNvPr>
@@ -13743,7 +13695,7 @@
           <p:cNvPr id="6" name="Content Placeholder 2">
             <a:extLst>
               <a:ext uri="{FF2B5EF4-FFF2-40B4-BE49-F238E27FC236}">
-                <a16:creationId xmlns:a16="http://schemas.microsoft.com/office/drawing/2014/main" xmlns="" id="{66257D45-C033-A346-9E0C-51A5778F8A32}"/>
+                <a16:creationId xmlns="" xmlns:a16="http://schemas.microsoft.com/office/drawing/2014/main" id="{66257D45-C033-A346-9E0C-51A5778F8A32}"/>
               </a:ext>
             </a:extLst>
           </p:cNvPr>
@@ -14061,7 +14013,7 @@
           <p:cNvPr id="2" name="Title 1">
             <a:extLst>
               <a:ext uri="{FF2B5EF4-FFF2-40B4-BE49-F238E27FC236}">
-                <a16:creationId xmlns:a16="http://schemas.microsoft.com/office/drawing/2014/main" xmlns="" id="{6B4D9F9A-308C-3143-AA5E-8A8B10D2EA07}"/>
+                <a16:creationId xmlns="" xmlns:a16="http://schemas.microsoft.com/office/drawing/2014/main" id="{6B4D9F9A-308C-3143-AA5E-8A8B10D2EA07}"/>
               </a:ext>
             </a:extLst>
           </p:cNvPr>
@@ -14095,7 +14047,7 @@
           <p:cNvPr id="3" name="Content Placeholder 2">
             <a:extLst>
               <a:ext uri="{FF2B5EF4-FFF2-40B4-BE49-F238E27FC236}">
-                <a16:creationId xmlns:a16="http://schemas.microsoft.com/office/drawing/2014/main" xmlns="" id="{66257D45-C033-A346-9E0C-51A5778F8A32}"/>
+                <a16:creationId xmlns="" xmlns:a16="http://schemas.microsoft.com/office/drawing/2014/main" id="{66257D45-C033-A346-9E0C-51A5778F8A32}"/>
               </a:ext>
             </a:extLst>
           </p:cNvPr>
@@ -14315,7 +14267,7 @@
           <p:cNvPr id="2" name="Title 1">
             <a:extLst>
               <a:ext uri="{FF2B5EF4-FFF2-40B4-BE49-F238E27FC236}">
-                <a16:creationId xmlns:a16="http://schemas.microsoft.com/office/drawing/2014/main" xmlns="" id="{6B4D9F9A-308C-3143-AA5E-8A8B10D2EA07}"/>
+                <a16:creationId xmlns="" xmlns:a16="http://schemas.microsoft.com/office/drawing/2014/main" id="{6B4D9F9A-308C-3143-AA5E-8A8B10D2EA07}"/>
               </a:ext>
             </a:extLst>
           </p:cNvPr>
@@ -14349,7 +14301,7 @@
           <p:cNvPr id="6" name="Content Placeholder 2">
             <a:extLst>
               <a:ext uri="{FF2B5EF4-FFF2-40B4-BE49-F238E27FC236}">
-                <a16:creationId xmlns:a16="http://schemas.microsoft.com/office/drawing/2014/main" xmlns="" id="{66257D45-C033-A346-9E0C-51A5778F8A32}"/>
+                <a16:creationId xmlns="" xmlns:a16="http://schemas.microsoft.com/office/drawing/2014/main" id="{66257D45-C033-A346-9E0C-51A5778F8A32}"/>
               </a:ext>
             </a:extLst>
           </p:cNvPr>
@@ -14617,8 +14569,13 @@
             </a:pPr>
             <a:r>
               <a:rPr lang="en-US" sz="1800" dirty="0" smtClean="0"/>
-              <a:t>acquiring and organizing knowledge</a:t>
-            </a:r>
+              <a:t>acquiring and organizing </a:t>
+            </a:r>
+            <a:r>
+              <a:rPr lang="en-US" sz="1800"/>
+              <a:t>knowledge (Hattie, 2009)</a:t>
+            </a:r>
+            <a:endParaRPr lang="en-US" sz="1800" dirty="0" smtClean="0"/>
           </a:p>
           <a:p>
             <a:pPr>
@@ -14799,7 +14756,7 @@
           <p:cNvPr id="2" name="Title 1">
             <a:extLst>
               <a:ext uri="{FF2B5EF4-FFF2-40B4-BE49-F238E27FC236}">
-                <a16:creationId xmlns:a16="http://schemas.microsoft.com/office/drawing/2014/main" xmlns="" id="{6B4D9F9A-308C-3143-AA5E-8A8B10D2EA07}"/>
+                <a16:creationId xmlns="" xmlns:a16="http://schemas.microsoft.com/office/drawing/2014/main" id="{6B4D9F9A-308C-3143-AA5E-8A8B10D2EA07}"/>
               </a:ext>
             </a:extLst>
           </p:cNvPr>
@@ -14833,7 +14790,7 @@
           <p:cNvPr id="3" name="Content Placeholder 2">
             <a:extLst>
               <a:ext uri="{FF2B5EF4-FFF2-40B4-BE49-F238E27FC236}">
-                <a16:creationId xmlns:a16="http://schemas.microsoft.com/office/drawing/2014/main" xmlns="" id="{66257D45-C033-A346-9E0C-51A5778F8A32}"/>
+                <a16:creationId xmlns="" xmlns:a16="http://schemas.microsoft.com/office/drawing/2014/main" id="{66257D45-C033-A346-9E0C-51A5778F8A32}"/>
               </a:ext>
             </a:extLst>
           </p:cNvPr>
@@ -15336,7 +15293,7 @@
           <p:cNvPr id="2" name="Title 1">
             <a:extLst>
               <a:ext uri="{FF2B5EF4-FFF2-40B4-BE49-F238E27FC236}">
-                <a16:creationId xmlns:a16="http://schemas.microsoft.com/office/drawing/2014/main" xmlns="" id="{6B4D9F9A-308C-3143-AA5E-8A8B10D2EA07}"/>
+                <a16:creationId xmlns="" xmlns:a16="http://schemas.microsoft.com/office/drawing/2014/main" id="{6B4D9F9A-308C-3143-AA5E-8A8B10D2EA07}"/>
               </a:ext>
             </a:extLst>
           </p:cNvPr>
@@ -15370,7 +15327,7 @@
           <p:cNvPr id="3" name="Content Placeholder 2">
             <a:extLst>
               <a:ext uri="{FF2B5EF4-FFF2-40B4-BE49-F238E27FC236}">
-                <a16:creationId xmlns:a16="http://schemas.microsoft.com/office/drawing/2014/main" xmlns="" id="{66257D45-C033-A346-9E0C-51A5778F8A32}"/>
+                <a16:creationId xmlns="" xmlns:a16="http://schemas.microsoft.com/office/drawing/2014/main" id="{66257D45-C033-A346-9E0C-51A5778F8A32}"/>
               </a:ext>
             </a:extLst>
           </p:cNvPr>
@@ -15472,7 +15429,7 @@
           <p:cNvPr id="4" name="Content Placeholder 2">
             <a:extLst>
               <a:ext uri="{FF2B5EF4-FFF2-40B4-BE49-F238E27FC236}">
-                <a16:creationId xmlns:a16="http://schemas.microsoft.com/office/drawing/2014/main" xmlns="" id="{66257D45-C033-A346-9E0C-51A5778F8A32}"/>
+                <a16:creationId xmlns="" xmlns:a16="http://schemas.microsoft.com/office/drawing/2014/main" id="{66257D45-C033-A346-9E0C-51A5778F8A32}"/>
               </a:ext>
             </a:extLst>
           </p:cNvPr>
@@ -15948,7 +15905,7 @@
           <p:cNvPr id="2" name="Title 1">
             <a:extLst>
               <a:ext uri="{FF2B5EF4-FFF2-40B4-BE49-F238E27FC236}">
-                <a16:creationId xmlns:a16="http://schemas.microsoft.com/office/drawing/2014/main" xmlns="" id="{6B4D9F9A-308C-3143-AA5E-8A8B10D2EA07}"/>
+                <a16:creationId xmlns="" xmlns:a16="http://schemas.microsoft.com/office/drawing/2014/main" id="{6B4D9F9A-308C-3143-AA5E-8A8B10D2EA07}"/>
               </a:ext>
             </a:extLst>
           </p:cNvPr>
@@ -15990,7 +15947,7 @@
           <p:cNvPr id="3" name="Content Placeholder 2">
             <a:extLst>
               <a:ext uri="{FF2B5EF4-FFF2-40B4-BE49-F238E27FC236}">
-                <a16:creationId xmlns:a16="http://schemas.microsoft.com/office/drawing/2014/main" xmlns="" id="{66257D45-C033-A346-9E0C-51A5778F8A32}"/>
+                <a16:creationId xmlns="" xmlns:a16="http://schemas.microsoft.com/office/drawing/2014/main" id="{66257D45-C033-A346-9E0C-51A5778F8A32}"/>
               </a:ext>
             </a:extLst>
           </p:cNvPr>
@@ -16061,7 +16018,7 @@
           <p:cNvPr id="4" name="Content Placeholder 2">
             <a:extLst>
               <a:ext uri="{FF2B5EF4-FFF2-40B4-BE49-F238E27FC236}">
-                <a16:creationId xmlns:a16="http://schemas.microsoft.com/office/drawing/2014/main" xmlns="" id="{66257D45-C033-A346-9E0C-51A5778F8A32}"/>
+                <a16:creationId xmlns="" xmlns:a16="http://schemas.microsoft.com/office/drawing/2014/main" id="{66257D45-C033-A346-9E0C-51A5778F8A32}"/>
               </a:ext>
             </a:extLst>
           </p:cNvPr>

--- a/cogDev/Unit_0_slides_CogniDev.pptx
+++ b/cogDev/Unit_0_slides_CogniDev.pptx
@@ -147,7 +147,7 @@
       </p14:sectionLst>
     </p:ext>
     <p:ext uri="{EFAFB233-063F-42B5-8137-9DF3F51BA10A}">
-      <p15:sldGuideLst xmlns:p15="http://schemas.microsoft.com/office/powerpoint/2012/main">
+      <p15:sldGuideLst xmlns:p15="http://schemas.microsoft.com/office/powerpoint/2012/main" xmlns="">
         <p15:guide id="1" orient="horz" pos="2160">
           <p15:clr>
             <a:srgbClr val="A4A3A4"/>
@@ -161,7 +161,7 @@
       </p15:sldGuideLst>
     </p:ext>
     <p:ext uri="{2D200454-40CA-4A62-9FC3-DE9A4176ACB9}">
-      <p15:notesGuideLst xmlns:p15="http://schemas.microsoft.com/office/powerpoint/2012/main">
+      <p15:notesGuideLst xmlns:p15="http://schemas.microsoft.com/office/powerpoint/2012/main" xmlns="">
         <p15:guide id="1" orient="horz" pos="2880">
           <p15:clr>
             <a:srgbClr val="A4A3A4"/>
@@ -2197,7 +2197,7 @@
   <p:clrMapOvr>
     <a:masterClrMapping/>
   </p:clrMapOvr>
-  <p:transition>
+  <p:transition xmlns:p14="http://schemas.microsoft.com/office/powerpoint/2010/main">
     <p:fade/>
   </p:transition>
 </p:sldLayout>
@@ -2411,7 +2411,7 @@
   <p:clrMapOvr>
     <a:masterClrMapping/>
   </p:clrMapOvr>
-  <p:transition>
+  <p:transition xmlns:p14="http://schemas.microsoft.com/office/powerpoint/2010/main">
     <p:fade/>
   </p:transition>
 </p:sldLayout>
@@ -2567,7 +2567,7 @@
   <p:clrMapOvr>
     <a:masterClrMapping/>
   </p:clrMapOvr>
-  <p:transition>
+  <p:transition xmlns:p14="http://schemas.microsoft.com/office/powerpoint/2010/main">
     <p:fade/>
   </p:transition>
 </p:sldLayout>
@@ -3092,7 +3092,7 @@
   <p:clrMapOvr>
     <a:masterClrMapping/>
   </p:clrMapOvr>
-  <p:transition>
+  <p:transition xmlns:p14="http://schemas.microsoft.com/office/powerpoint/2010/main">
     <p:fade/>
   </p:transition>
 </p:sldLayout>
@@ -3614,7 +3614,7 @@
   <p:clrMapOvr>
     <a:masterClrMapping/>
   </p:clrMapOvr>
-  <p:transition>
+  <p:transition xmlns:p14="http://schemas.microsoft.com/office/powerpoint/2010/main">
     <p:fade/>
   </p:transition>
 </p:sldLayout>
@@ -4136,7 +4136,7 @@
   <p:clrMapOvr>
     <a:masterClrMapping/>
   </p:clrMapOvr>
-  <p:transition>
+  <p:transition xmlns:p14="http://schemas.microsoft.com/office/powerpoint/2010/main">
     <p:fade/>
   </p:transition>
 </p:sldLayout>
@@ -4313,7 +4313,7 @@
   <p:clrMapOvr>
     <a:masterClrMapping/>
   </p:clrMapOvr>
-  <p:transition>
+  <p:transition xmlns:p14="http://schemas.microsoft.com/office/powerpoint/2010/main">
     <p:fade/>
   </p:transition>
 </p:sldLayout>
@@ -4527,7 +4527,7 @@
   <p:clrMapOvr>
     <a:masterClrMapping/>
   </p:clrMapOvr>
-  <p:transition>
+  <p:transition xmlns:p14="http://schemas.microsoft.com/office/powerpoint/2010/main">
     <p:fade/>
   </p:transition>
 </p:sldLayout>
@@ -4704,7 +4704,7 @@
   <p:clrMapOvr>
     <a:masterClrMapping/>
   </p:clrMapOvr>
-  <p:transition>
+  <p:transition xmlns:p14="http://schemas.microsoft.com/office/powerpoint/2010/main">
     <p:fade/>
   </p:transition>
 </p:sldLayout>
@@ -4882,7 +4882,7 @@
   <p:clrMapOvr>
     <a:masterClrMapping/>
   </p:clrMapOvr>
-  <p:transition>
+  <p:transition xmlns:p14="http://schemas.microsoft.com/office/powerpoint/2010/main">
     <p:fade/>
   </p:transition>
 </p:sldLayout>
@@ -5023,7 +5023,7 @@
   <p:clrMapOvr>
     <a:masterClrMapping/>
   </p:clrMapOvr>
-  <p:transition>
+  <p:transition xmlns:p14="http://schemas.microsoft.com/office/powerpoint/2010/main">
     <p:fade/>
   </p:transition>
 </p:sldLayout>
@@ -5152,7 +5152,7 @@
   <p:clrMapOvr>
     <a:masterClrMapping/>
   </p:clrMapOvr>
-  <p:transition>
+  <p:transition xmlns:p14="http://schemas.microsoft.com/office/powerpoint/2010/main">
     <p:fade/>
   </p:transition>
 </p:sldLayout>
@@ -5311,7 +5311,7 @@
   <p:clrMapOvr>
     <a:masterClrMapping/>
   </p:clrMapOvr>
-  <p:transition>
+  <p:transition xmlns:p14="http://schemas.microsoft.com/office/powerpoint/2010/main">
     <p:fade/>
   </p:transition>
 </p:sldLayout>
@@ -5402,7 +5402,7 @@
   <p:clrMapOvr>
     <a:masterClrMapping/>
   </p:clrMapOvr>
-  <p:transition>
+  <p:transition xmlns:p14="http://schemas.microsoft.com/office/powerpoint/2010/main">
     <p:fade/>
   </p:transition>
 </p:sldLayout>
@@ -5502,7 +5502,7 @@
   <p:clrMapOvr>
     <a:masterClrMapping/>
   </p:clrMapOvr>
-  <p:transition>
+  <p:transition xmlns:p14="http://schemas.microsoft.com/office/powerpoint/2010/main">
     <p:fade/>
   </p:transition>
 </p:sldLayout>
@@ -5565,7 +5565,7 @@
   <p:clrMapOvr>
     <a:masterClrMapping/>
   </p:clrMapOvr>
-  <p:transition>
+  <p:transition xmlns:p14="http://schemas.microsoft.com/office/powerpoint/2010/main">
     <p:fade/>
   </p:transition>
 </p:sldLayout>
@@ -5661,7 +5661,7 @@
   <p:clrMapOvr>
     <a:masterClrMapping/>
   </p:clrMapOvr>
-  <p:transition>
+  <p:transition xmlns:p14="http://schemas.microsoft.com/office/powerpoint/2010/main">
     <p:fade/>
   </p:transition>
 </p:sldLayout>
@@ -6295,7 +6295,7 @@
   <p:clrMapOvr>
     <a:masterClrMapping/>
   </p:clrMapOvr>
-  <p:transition>
+  <p:transition xmlns:p14="http://schemas.microsoft.com/office/powerpoint/2010/main">
     <p:fade/>
   </p:transition>
 </p:sldLayout>
@@ -6494,7 +6494,7 @@
   <p:clrMapOvr>
     <a:masterClrMapping/>
   </p:clrMapOvr>
-  <p:transition>
+  <p:transition xmlns:p14="http://schemas.microsoft.com/office/powerpoint/2010/main">
     <p:fade/>
   </p:transition>
 </p:sldLayout>
@@ -6635,7 +6635,7 @@
   <p:clrMapOvr>
     <a:masterClrMapping/>
   </p:clrMapOvr>
-  <p:transition>
+  <p:transition xmlns:p14="http://schemas.microsoft.com/office/powerpoint/2010/main">
     <p:fade/>
   </p:transition>
 </p:sldLayout>
@@ -6845,7 +6845,7 @@
   <p:clrMapOvr>
     <a:masterClrMapping/>
   </p:clrMapOvr>
-  <p:transition>
+  <p:transition xmlns:p14="http://schemas.microsoft.com/office/powerpoint/2010/main">
     <p:fade/>
   </p:transition>
 </p:sldLayout>
@@ -7060,7 +7060,7 @@
   <p:clrMapOvr>
     <a:masterClrMapping/>
   </p:clrMapOvr>
-  <p:transition>
+  <p:transition xmlns:p14="http://schemas.microsoft.com/office/powerpoint/2010/main">
     <p:fade/>
   </p:transition>
 </p:sldLayout>
@@ -7230,7 +7230,7 @@
   <p:clrMapOvr>
     <a:masterClrMapping/>
   </p:clrMapOvr>
-  <p:transition>
+  <p:transition xmlns:p14="http://schemas.microsoft.com/office/powerpoint/2010/main">
     <p:fade/>
   </p:transition>
 </p:sldLayout>
@@ -7337,7 +7337,7 @@
   <p:clrMapOvr>
     <a:masterClrMapping/>
   </p:clrMapOvr>
-  <p:transition>
+  <p:transition xmlns:p14="http://schemas.microsoft.com/office/powerpoint/2010/main">
     <p:fade/>
   </p:transition>
 </p:sldLayout>
@@ -7448,7 +7448,7 @@
   <p:clrMapOvr>
     <a:masterClrMapping/>
   </p:clrMapOvr>
-  <p:transition>
+  <p:transition xmlns:p14="http://schemas.microsoft.com/office/powerpoint/2010/main">
     <p:fade/>
   </p:transition>
 </p:sldLayout>
@@ -7647,7 +7647,7 @@
   <p:clrMapOvr>
     <a:masterClrMapping/>
   </p:clrMapOvr>
-  <p:transition>
+  <p:transition xmlns:p14="http://schemas.microsoft.com/office/powerpoint/2010/main">
     <p:fade/>
   </p:transition>
 </p:sldLayout>
@@ -7788,7 +7788,7 @@
   <p:clrMapOvr>
     <a:masterClrMapping/>
   </p:clrMapOvr>
-  <p:transition>
+  <p:transition xmlns:p14="http://schemas.microsoft.com/office/powerpoint/2010/main">
     <p:fade/>
   </p:transition>
 </p:sldLayout>
@@ -8004,7 +8004,7 @@
   <p:clrMapOvr>
     <a:masterClrMapping/>
   </p:clrMapOvr>
-  <p:transition>
+  <p:transition xmlns:p14="http://schemas.microsoft.com/office/powerpoint/2010/main">
     <p:fade/>
   </p:transition>
 </p:sldLayout>
@@ -8225,7 +8225,7 @@
   <p:clrMapOvr>
     <a:masterClrMapping/>
   </p:clrMapOvr>
-  <p:transition>
+  <p:transition xmlns:p14="http://schemas.microsoft.com/office/powerpoint/2010/main">
     <p:fade/>
   </p:transition>
 </p:sldLayout>
@@ -8332,7 +8332,7 @@
   <p:clrMapOvr>
     <a:masterClrMapping/>
   </p:clrMapOvr>
-  <p:transition>
+  <p:transition xmlns:p14="http://schemas.microsoft.com/office/powerpoint/2010/main">
     <p:fade/>
   </p:transition>
 </p:sldLayout>
@@ -8443,7 +8443,7 @@
   <p:clrMapOvr>
     <a:masterClrMapping/>
   </p:clrMapOvr>
-  <p:transition>
+  <p:transition xmlns:p14="http://schemas.microsoft.com/office/powerpoint/2010/main">
     <p:fade/>
   </p:transition>
 </p:sldLayout>
@@ -8622,7 +8622,7 @@
   <p:clrMapOvr>
     <a:masterClrMapping/>
   </p:clrMapOvr>
-  <p:transition>
+  <p:transition xmlns:p14="http://schemas.microsoft.com/office/powerpoint/2010/main">
     <p:fade/>
   </p:transition>
 </p:sldLayout>
@@ -8811,7 +8811,7 @@
   <p:clrMapOvr>
     <a:masterClrMapping/>
   </p:clrMapOvr>
-  <p:transition>
+  <p:transition xmlns:p14="http://schemas.microsoft.com/office/powerpoint/2010/main">
     <p:fade/>
   </p:transition>
 </p:sldLayout>
@@ -8963,7 +8963,7 @@
   <p:clrMapOvr>
     <a:masterClrMapping/>
   </p:clrMapOvr>
-  <p:transition>
+  <p:transition xmlns:p14="http://schemas.microsoft.com/office/powerpoint/2010/main">
     <p:fade/>
   </p:transition>
 </p:sldLayout>
@@ -9107,7 +9107,7 @@
   <p:clrMapOvr>
     <a:masterClrMapping/>
   </p:clrMapOvr>
-  <p:transition>
+  <p:transition xmlns:p14="http://schemas.microsoft.com/office/powerpoint/2010/main">
     <p:fade/>
   </p:transition>
 </p:sldLayout>
@@ -9265,7 +9265,7 @@
   <p:clrMapOvr>
     <a:masterClrMapping/>
   </p:clrMapOvr>
-  <p:transition>
+  <p:transition xmlns:p14="http://schemas.microsoft.com/office/powerpoint/2010/main">
     <p:fade/>
   </p:transition>
 </p:sldLayout>
@@ -9465,7 +9465,7 @@
   <p:clrMapOvr>
     <a:masterClrMapping/>
   </p:clrMapOvr>
-  <p:transition>
+  <p:transition xmlns:p14="http://schemas.microsoft.com/office/powerpoint/2010/main">
     <p:fade/>
   </p:transition>
 </p:sldLayout>
@@ -9672,7 +9672,7 @@
     <p:sldLayoutId id="2147483703" r:id="rId36"/>
     <p:sldLayoutId id="2147483704" r:id="rId37"/>
   </p:sldLayoutIdLst>
-  <p:transition>
+  <p:transition xmlns:p14="http://schemas.microsoft.com/office/powerpoint/2010/main">
     <p:fade/>
   </p:transition>
   <p:txStyles>
@@ -10165,13 +10165,13 @@
   <p:clrMapOvr>
     <a:masterClrMapping/>
   </p:clrMapOvr>
-  <p:transition>
+  <p:transition xmlns:p14="http://schemas.microsoft.com/office/powerpoint/2010/main">
     <p:fade/>
   </p:transition>
   <p:timing>
     <p:tnLst>
       <p:par>
-        <p:cTn id="1" dur="indefinite" restart="never" nodeType="tmRoot"/>
+        <p:cTn xmlns:p14="http://schemas.microsoft.com/office/powerpoint/2010/main" id="1" dur="indefinite" restart="never" nodeType="tmRoot"/>
       </p:par>
     </p:tnLst>
   </p:timing>
@@ -10200,7 +10200,7 @@
           <p:cNvPr id="2" name="Title 1">
             <a:extLst>
               <a:ext uri="{FF2B5EF4-FFF2-40B4-BE49-F238E27FC236}">
-                <a16:creationId xmlns="" xmlns:a16="http://schemas.microsoft.com/office/drawing/2014/main" id="{6B4D9F9A-308C-3143-AA5E-8A8B10D2EA07}"/>
+                <a16:creationId xmlns:a16="http://schemas.microsoft.com/office/drawing/2014/main" xmlns="" id="{6B4D9F9A-308C-3143-AA5E-8A8B10D2EA07}"/>
               </a:ext>
             </a:extLst>
           </p:cNvPr>
@@ -10234,7 +10234,7 @@
           <p:cNvPr id="3" name="Content Placeholder 2">
             <a:extLst>
               <a:ext uri="{FF2B5EF4-FFF2-40B4-BE49-F238E27FC236}">
-                <a16:creationId xmlns="" xmlns:a16="http://schemas.microsoft.com/office/drawing/2014/main" id="{66257D45-C033-A346-9E0C-51A5778F8A32}"/>
+                <a16:creationId xmlns:a16="http://schemas.microsoft.com/office/drawing/2014/main" xmlns="" id="{66257D45-C033-A346-9E0C-51A5778F8A32}"/>
               </a:ext>
             </a:extLst>
           </p:cNvPr>
@@ -10305,7 +10305,7 @@
           <p:cNvPr id="4" name="Content Placeholder 2">
             <a:extLst>
               <a:ext uri="{FF2B5EF4-FFF2-40B4-BE49-F238E27FC236}">
-                <a16:creationId xmlns="" xmlns:a16="http://schemas.microsoft.com/office/drawing/2014/main" id="{66257D45-C033-A346-9E0C-51A5778F8A32}"/>
+                <a16:creationId xmlns:a16="http://schemas.microsoft.com/office/drawing/2014/main" xmlns="" id="{66257D45-C033-A346-9E0C-51A5778F8A32}"/>
               </a:ext>
             </a:extLst>
           </p:cNvPr>
@@ -10532,7 +10532,7 @@
               <a:buChar char="•"/>
             </a:pPr>
             <a:r>
-              <a:rPr lang="en-US" sz="1600" dirty="0" smtClean="0"/>
+              <a:rPr lang="en-US" sz="1400" dirty="0" smtClean="0"/>
               <a:t>Neural communication is based on </a:t>
             </a:r>
           </a:p>
@@ -10552,7 +10552,7 @@
               <a:buChar char="•"/>
             </a:pPr>
             <a:r>
-              <a:rPr lang="en-US" sz="1600" dirty="0" smtClean="0"/>
+              <a:rPr lang="en-US" sz="1400" dirty="0" smtClean="0"/>
               <a:t>neurons (basic processing units)</a:t>
             </a:r>
           </a:p>
@@ -10572,11 +10572,11 @@
               <a:buChar char="•"/>
             </a:pPr>
             <a:r>
-              <a:rPr lang="en-US" sz="1600" dirty="0" smtClean="0"/>
+              <a:rPr lang="en-US" sz="1400" dirty="0" smtClean="0"/>
               <a:t>connections between neurons = </a:t>
             </a:r>
             <a:r>
-              <a:rPr lang="en-US" sz="1600" b="1" dirty="0" smtClean="0"/>
+              <a:rPr lang="en-US" sz="1400" b="1" dirty="0" smtClean="0"/>
               <a:t>Synapses</a:t>
             </a:r>
           </a:p>
@@ -10596,10 +10596,10 @@
               <a:buChar char="•"/>
             </a:pPr>
             <a:r>
-              <a:rPr lang="en-US" sz="1600" dirty="0" smtClean="0"/>
+              <a:rPr lang="en-US" sz="1400" dirty="0" smtClean="0"/>
               <a:t>Learning to represent knowledge (e.g., word meaning) by building up new synaptic connections between neurons</a:t>
             </a:r>
-            <a:endParaRPr lang="en-US" sz="1600" b="1" dirty="0" smtClean="0"/>
+            <a:endParaRPr lang="en-US" sz="1400" b="1" dirty="0" smtClean="0"/>
           </a:p>
           <a:p>
             <a:pPr marL="406400" lvl="1" indent="-177800">
@@ -10617,11 +10617,11 @@
               <a:buChar char="•"/>
             </a:pPr>
             <a:r>
-              <a:rPr lang="en-US" sz="1600" b="1" dirty="0"/>
+              <a:rPr lang="en-US" sz="1400" b="1" dirty="0"/>
               <a:t>Synaptogenesis </a:t>
             </a:r>
             <a:r>
-              <a:rPr lang="en-US" sz="1600" dirty="0" smtClean="0"/>
+              <a:rPr lang="en-US" sz="1400" dirty="0" smtClean="0"/>
               <a:t>peaks around the age of 2</a:t>
             </a:r>
           </a:p>
@@ -10641,23 +10641,23 @@
               <a:buChar char="•"/>
             </a:pPr>
             <a:r>
-              <a:rPr lang="en-US" sz="1600" dirty="0" smtClean="0"/>
+              <a:rPr lang="en-US" sz="1400" dirty="0" smtClean="0"/>
               <a:t>Soon after, elimination of unnecessary structure = </a:t>
             </a:r>
             <a:r>
-              <a:rPr lang="en-US" sz="1600" b="1" dirty="0" smtClean="0"/>
+              <a:rPr lang="en-US" sz="1400" b="1" dirty="0" smtClean="0"/>
               <a:t>Synaptic pruning </a:t>
             </a:r>
             <a:r>
-              <a:rPr lang="en-US" sz="1600" dirty="0" smtClean="0"/>
+              <a:rPr lang="en-US" sz="1400" dirty="0" smtClean="0"/>
               <a:t>for </a:t>
             </a:r>
             <a:r>
-              <a:rPr lang="en-US" sz="1600" b="1" dirty="0" smtClean="0"/>
+              <a:rPr lang="en-US" sz="1400" b="1" dirty="0" smtClean="0"/>
               <a:t>neural efficiency </a:t>
             </a:r>
             <a:r>
-              <a:rPr lang="en-US" sz="1600" dirty="0" smtClean="0"/>
+              <a:rPr lang="en-US" sz="1400" dirty="0" smtClean="0"/>
               <a:t>(saving energy)</a:t>
             </a:r>
           </a:p>
@@ -10676,7 +10676,7 @@
               <a:buFont typeface="Arial" charset="0"/>
               <a:buChar char="•"/>
             </a:pPr>
-            <a:endParaRPr lang="en-US" sz="1600" b="1" dirty="0" smtClean="0"/>
+            <a:endParaRPr lang="en-US" sz="1400" b="1" dirty="0" smtClean="0"/>
           </a:p>
         </p:txBody>
       </p:sp>
@@ -10944,13 +10944,13 @@
   <p:clrMapOvr>
     <a:masterClrMapping/>
   </p:clrMapOvr>
-  <p:transition>
+  <p:transition xmlns:p14="http://schemas.microsoft.com/office/powerpoint/2010/main">
     <p:fade/>
   </p:transition>
   <p:timing>
     <p:tnLst>
       <p:par>
-        <p:cTn id="1" dur="indefinite" restart="never" nodeType="tmRoot"/>
+        <p:cTn xmlns:p14="http://schemas.microsoft.com/office/powerpoint/2010/main" id="1" dur="indefinite" restart="never" nodeType="tmRoot"/>
       </p:par>
     </p:tnLst>
   </p:timing>
@@ -10979,7 +10979,7 @@
           <p:cNvPr id="2" name="Title 1">
             <a:extLst>
               <a:ext uri="{FF2B5EF4-FFF2-40B4-BE49-F238E27FC236}">
-                <a16:creationId xmlns="" xmlns:a16="http://schemas.microsoft.com/office/drawing/2014/main" id="{6B4D9F9A-308C-3143-AA5E-8A8B10D2EA07}"/>
+                <a16:creationId xmlns:a16="http://schemas.microsoft.com/office/drawing/2014/main" xmlns="" id="{6B4D9F9A-308C-3143-AA5E-8A8B10D2EA07}"/>
               </a:ext>
             </a:extLst>
           </p:cNvPr>
@@ -11013,7 +11013,7 @@
           <p:cNvPr id="3" name="Content Placeholder 2">
             <a:extLst>
               <a:ext uri="{FF2B5EF4-FFF2-40B4-BE49-F238E27FC236}">
-                <a16:creationId xmlns="" xmlns:a16="http://schemas.microsoft.com/office/drawing/2014/main" id="{66257D45-C033-A346-9E0C-51A5778F8A32}"/>
+                <a16:creationId xmlns:a16="http://schemas.microsoft.com/office/drawing/2014/main" xmlns="" id="{66257D45-C033-A346-9E0C-51A5778F8A32}"/>
               </a:ext>
             </a:extLst>
           </p:cNvPr>
@@ -11084,7 +11084,7 @@
           <p:cNvPr id="4" name="Content Placeholder 2">
             <a:extLst>
               <a:ext uri="{FF2B5EF4-FFF2-40B4-BE49-F238E27FC236}">
-                <a16:creationId xmlns="" xmlns:a16="http://schemas.microsoft.com/office/drawing/2014/main" id="{66257D45-C033-A346-9E0C-51A5778F8A32}"/>
+                <a16:creationId xmlns:a16="http://schemas.microsoft.com/office/drawing/2014/main" xmlns="" id="{66257D45-C033-A346-9E0C-51A5778F8A32}"/>
               </a:ext>
             </a:extLst>
           </p:cNvPr>
@@ -11502,15 +11502,14 @@
               <a:buChar char="à"/>
             </a:pPr>
             <a:r>
-              <a:rPr lang="en-US" sz="1600" dirty="0" smtClean="0">
+              <a:rPr lang="en-US" sz="1600" dirty="0">
                 <a:sym typeface="Wingdings"/>
               </a:rPr>
-              <a:t>Education: helping to separate the important from the less important experiences / neural stimulations</a:t>
-            </a:r>
-            <a:endParaRPr lang="en-US" sz="1600" dirty="0" smtClean="0"/>
-          </a:p>
-          <a:p>
-            <a:pPr marL="177800" indent="-177800">
+              <a:t>Implication for Education?</a:t>
+            </a:r>
+          </a:p>
+          <a:p>
+            <a:pPr lvl="1">
               <a:lnSpc>
                 <a:spcPct val="100000"/>
               </a:lnSpc>
@@ -11521,10 +11520,26 @@
                 <a:spcPts val="600"/>
               </a:spcAft>
               <a:buClrTx/>
-              <a:buFont typeface="Arial" charset="0"/>
-              <a:buChar char="•"/>
             </a:pPr>
-            <a:endParaRPr lang="en-US" sz="1050" dirty="0" smtClean="0"/>
+            <a:r>
+              <a:rPr lang="en-US" sz="1600" dirty="0">
+                <a:sym typeface="Wingdings"/>
+              </a:rPr>
+              <a:t>Reflect on it in her first assignment (</a:t>
+            </a:r>
+            <a:r>
+              <a:rPr lang="en-US" sz="1600">
+                <a:sym typeface="Wingdings"/>
+              </a:rPr>
+              <a:t>see </a:t>
+            </a:r>
+            <a:r>
+              <a:rPr lang="en-US" sz="1600" smtClean="0">
+                <a:sym typeface="Wingdings"/>
+              </a:rPr>
+              <a:t>slide 13)</a:t>
+            </a:r>
+            <a:endParaRPr lang="en-US" sz="1600" dirty="0"/>
           </a:p>
         </p:txBody>
       </p:sp>
@@ -11730,13 +11745,13 @@
   <p:clrMapOvr>
     <a:masterClrMapping/>
   </p:clrMapOvr>
-  <p:transition>
+  <p:transition xmlns:p14="http://schemas.microsoft.com/office/powerpoint/2010/main">
     <p:fade/>
   </p:transition>
   <p:timing>
     <p:tnLst>
       <p:par>
-        <p:cTn id="1" dur="indefinite" restart="never" nodeType="tmRoot"/>
+        <p:cTn xmlns:p14="http://schemas.microsoft.com/office/powerpoint/2010/main" id="1" dur="indefinite" restart="never" nodeType="tmRoot"/>
       </p:par>
     </p:tnLst>
   </p:timing>
@@ -11765,7 +11780,7 @@
           <p:cNvPr id="2" name="Title 1">
             <a:extLst>
               <a:ext uri="{FF2B5EF4-FFF2-40B4-BE49-F238E27FC236}">
-                <a16:creationId xmlns="" xmlns:a16="http://schemas.microsoft.com/office/drawing/2014/main" id="{6B4D9F9A-308C-3143-AA5E-8A8B10D2EA07}"/>
+                <a16:creationId xmlns:a16="http://schemas.microsoft.com/office/drawing/2014/main" xmlns="" id="{6B4D9F9A-308C-3143-AA5E-8A8B10D2EA07}"/>
               </a:ext>
             </a:extLst>
           </p:cNvPr>
@@ -11807,7 +11822,7 @@
           <p:cNvPr id="3" name="Content Placeholder 2">
             <a:extLst>
               <a:ext uri="{FF2B5EF4-FFF2-40B4-BE49-F238E27FC236}">
-                <a16:creationId xmlns="" xmlns:a16="http://schemas.microsoft.com/office/drawing/2014/main" id="{66257D45-C033-A346-9E0C-51A5778F8A32}"/>
+                <a16:creationId xmlns:a16="http://schemas.microsoft.com/office/drawing/2014/main" xmlns="" id="{66257D45-C033-A346-9E0C-51A5778F8A32}"/>
               </a:ext>
             </a:extLst>
           </p:cNvPr>
@@ -12090,7 +12105,7 @@
           <p:cNvPr id="12" name="Content Placeholder 2">
             <a:extLst>
               <a:ext uri="{FF2B5EF4-FFF2-40B4-BE49-F238E27FC236}">
-                <a16:creationId xmlns="" xmlns:a16="http://schemas.microsoft.com/office/drawing/2014/main" id="{66257D45-C033-A346-9E0C-51A5778F8A32}"/>
+                <a16:creationId xmlns:a16="http://schemas.microsoft.com/office/drawing/2014/main" xmlns="" id="{66257D45-C033-A346-9E0C-51A5778F8A32}"/>
               </a:ext>
             </a:extLst>
           </p:cNvPr>
@@ -12330,13 +12345,13 @@
   <p:clrMapOvr>
     <a:masterClrMapping/>
   </p:clrMapOvr>
-  <p:transition>
+  <p:transition xmlns:p14="http://schemas.microsoft.com/office/powerpoint/2010/main">
     <p:fade/>
   </p:transition>
   <p:timing>
     <p:tnLst>
       <p:par>
-        <p:cTn id="1" dur="indefinite" restart="never" nodeType="tmRoot"/>
+        <p:cTn xmlns:p14="http://schemas.microsoft.com/office/powerpoint/2010/main" id="1" dur="indefinite" restart="never" nodeType="tmRoot"/>
       </p:par>
     </p:tnLst>
   </p:timing>
@@ -12365,7 +12380,7 @@
           <p:cNvPr id="2" name="Title 1">
             <a:extLst>
               <a:ext uri="{FF2B5EF4-FFF2-40B4-BE49-F238E27FC236}">
-                <a16:creationId xmlns="" xmlns:a16="http://schemas.microsoft.com/office/drawing/2014/main" id="{6B4D9F9A-308C-3143-AA5E-8A8B10D2EA07}"/>
+                <a16:creationId xmlns:a16="http://schemas.microsoft.com/office/drawing/2014/main" xmlns="" id="{6B4D9F9A-308C-3143-AA5E-8A8B10D2EA07}"/>
               </a:ext>
             </a:extLst>
           </p:cNvPr>
@@ -12394,7 +12409,7 @@
           <p:cNvPr id="3" name="Content Placeholder 2">
             <a:extLst>
               <a:ext uri="{FF2B5EF4-FFF2-40B4-BE49-F238E27FC236}">
-                <a16:creationId xmlns="" xmlns:a16="http://schemas.microsoft.com/office/drawing/2014/main" id="{66257D45-C033-A346-9E0C-51A5778F8A32}"/>
+                <a16:creationId xmlns:a16="http://schemas.microsoft.com/office/drawing/2014/main" xmlns="" id="{66257D45-C033-A346-9E0C-51A5778F8A32}"/>
               </a:ext>
             </a:extLst>
           </p:cNvPr>
@@ -12637,13 +12652,13 @@
   <p:clrMapOvr>
     <a:masterClrMapping/>
   </p:clrMapOvr>
-  <p:transition>
+  <p:transition xmlns:p14="http://schemas.microsoft.com/office/powerpoint/2010/main">
     <p:fade/>
   </p:transition>
   <p:timing>
     <p:tnLst>
       <p:par>
-        <p:cTn id="1" dur="indefinite" restart="never" nodeType="tmRoot"/>
+        <p:cTn xmlns:p14="http://schemas.microsoft.com/office/powerpoint/2010/main" id="1" dur="indefinite" restart="never" nodeType="tmRoot"/>
       </p:par>
     </p:tnLst>
   </p:timing>
@@ -12773,13 +12788,13 @@
   <p:clrMapOvr>
     <a:masterClrMapping/>
   </p:clrMapOvr>
-  <p:transition>
+  <p:transition xmlns:p14="http://schemas.microsoft.com/office/powerpoint/2010/main">
     <p:fade/>
   </p:transition>
   <p:timing>
     <p:tnLst>
       <p:par>
-        <p:cTn id="1" dur="indefinite" restart="never" nodeType="tmRoot"/>
+        <p:cTn xmlns:p14="http://schemas.microsoft.com/office/powerpoint/2010/main" id="1" dur="indefinite" restart="never" nodeType="tmRoot"/>
       </p:par>
     </p:tnLst>
   </p:timing>
@@ -12808,7 +12823,7 @@
           <p:cNvPr id="2" name="Title 1">
             <a:extLst>
               <a:ext uri="{FF2B5EF4-FFF2-40B4-BE49-F238E27FC236}">
-                <a16:creationId xmlns="" xmlns:a16="http://schemas.microsoft.com/office/drawing/2014/main" id="{6B4D9F9A-308C-3143-AA5E-8A8B10D2EA07}"/>
+                <a16:creationId xmlns:a16="http://schemas.microsoft.com/office/drawing/2014/main" xmlns="" id="{6B4D9F9A-308C-3143-AA5E-8A8B10D2EA07}"/>
               </a:ext>
             </a:extLst>
           </p:cNvPr>
@@ -12837,7 +12852,7 @@
           <p:cNvPr id="3" name="Content Placeholder 2">
             <a:extLst>
               <a:ext uri="{FF2B5EF4-FFF2-40B4-BE49-F238E27FC236}">
-                <a16:creationId xmlns="" xmlns:a16="http://schemas.microsoft.com/office/drawing/2014/main" id="{66257D45-C033-A346-9E0C-51A5778F8A32}"/>
+                <a16:creationId xmlns:a16="http://schemas.microsoft.com/office/drawing/2014/main" xmlns="" id="{66257D45-C033-A346-9E0C-51A5778F8A32}"/>
               </a:ext>
             </a:extLst>
           </p:cNvPr>
@@ -13140,13 +13155,13 @@
   <p:clrMapOvr>
     <a:masterClrMapping/>
   </p:clrMapOvr>
-  <p:transition>
+  <p:transition xmlns:p14="http://schemas.microsoft.com/office/powerpoint/2010/main">
     <p:fade/>
   </p:transition>
   <p:timing>
     <p:tnLst>
       <p:par>
-        <p:cTn id="1" dur="indefinite" restart="never" nodeType="tmRoot"/>
+        <p:cTn xmlns:p14="http://schemas.microsoft.com/office/powerpoint/2010/main" id="1" dur="indefinite" restart="never" nodeType="tmRoot"/>
       </p:par>
     </p:tnLst>
   </p:timing>
@@ -13175,7 +13190,7 @@
           <p:cNvPr id="2" name="Title 1">
             <a:extLst>
               <a:ext uri="{FF2B5EF4-FFF2-40B4-BE49-F238E27FC236}">
-                <a16:creationId xmlns="" xmlns:a16="http://schemas.microsoft.com/office/drawing/2014/main" id="{6B4D9F9A-308C-3143-AA5E-8A8B10D2EA07}"/>
+                <a16:creationId xmlns:a16="http://schemas.microsoft.com/office/drawing/2014/main" xmlns="" id="{6B4D9F9A-308C-3143-AA5E-8A8B10D2EA07}"/>
               </a:ext>
             </a:extLst>
           </p:cNvPr>
@@ -13204,7 +13219,7 @@
           <p:cNvPr id="3" name="Content Placeholder 2">
             <a:extLst>
               <a:ext uri="{FF2B5EF4-FFF2-40B4-BE49-F238E27FC236}">
-                <a16:creationId xmlns="" xmlns:a16="http://schemas.microsoft.com/office/drawing/2014/main" id="{66257D45-C033-A346-9E0C-51A5778F8A32}"/>
+                <a16:creationId xmlns:a16="http://schemas.microsoft.com/office/drawing/2014/main" xmlns="" id="{66257D45-C033-A346-9E0C-51A5778F8A32}"/>
               </a:ext>
             </a:extLst>
           </p:cNvPr>
@@ -13566,13 +13581,13 @@
   <p:clrMapOvr>
     <a:masterClrMapping/>
   </p:clrMapOvr>
-  <p:transition>
+  <p:transition xmlns:p14="http://schemas.microsoft.com/office/powerpoint/2010/main">
     <p:fade/>
   </p:transition>
   <p:timing>
     <p:tnLst>
       <p:par>
-        <p:cTn id="1" dur="indefinite" restart="never" nodeType="tmRoot"/>
+        <p:cTn xmlns:p14="http://schemas.microsoft.com/office/powerpoint/2010/main" id="1" dur="indefinite" restart="never" nodeType="tmRoot"/>
       </p:par>
     </p:tnLst>
   </p:timing>
@@ -13601,7 +13616,7 @@
           <p:cNvPr id="2" name="Title 1">
             <a:extLst>
               <a:ext uri="{FF2B5EF4-FFF2-40B4-BE49-F238E27FC236}">
-                <a16:creationId xmlns="" xmlns:a16="http://schemas.microsoft.com/office/drawing/2014/main" id="{6B4D9F9A-308C-3143-AA5E-8A8B10D2EA07}"/>
+                <a16:creationId xmlns:a16="http://schemas.microsoft.com/office/drawing/2014/main" xmlns="" id="{6B4D9F9A-308C-3143-AA5E-8A8B10D2EA07}"/>
               </a:ext>
             </a:extLst>
           </p:cNvPr>
@@ -13635,7 +13650,7 @@
           <p:cNvPr id="3" name="Content Placeholder 2">
             <a:extLst>
               <a:ext uri="{FF2B5EF4-FFF2-40B4-BE49-F238E27FC236}">
-                <a16:creationId xmlns="" xmlns:a16="http://schemas.microsoft.com/office/drawing/2014/main" id="{66257D45-C033-A346-9E0C-51A5778F8A32}"/>
+                <a16:creationId xmlns:a16="http://schemas.microsoft.com/office/drawing/2014/main" xmlns="" id="{66257D45-C033-A346-9E0C-51A5778F8A32}"/>
               </a:ext>
             </a:extLst>
           </p:cNvPr>
@@ -13695,7 +13710,7 @@
           <p:cNvPr id="6" name="Content Placeholder 2">
             <a:extLst>
               <a:ext uri="{FF2B5EF4-FFF2-40B4-BE49-F238E27FC236}">
-                <a16:creationId xmlns="" xmlns:a16="http://schemas.microsoft.com/office/drawing/2014/main" id="{66257D45-C033-A346-9E0C-51A5778F8A32}"/>
+                <a16:creationId xmlns:a16="http://schemas.microsoft.com/office/drawing/2014/main" xmlns="" id="{66257D45-C033-A346-9E0C-51A5778F8A32}"/>
               </a:ext>
             </a:extLst>
           </p:cNvPr>
@@ -13978,13 +13993,13 @@
   <p:clrMapOvr>
     <a:masterClrMapping/>
   </p:clrMapOvr>
-  <p:transition>
+  <p:transition xmlns:p14="http://schemas.microsoft.com/office/powerpoint/2010/main">
     <p:fade/>
   </p:transition>
   <p:timing>
     <p:tnLst>
       <p:par>
-        <p:cTn id="1" dur="indefinite" restart="never" nodeType="tmRoot"/>
+        <p:cTn xmlns:p14="http://schemas.microsoft.com/office/powerpoint/2010/main" id="1" dur="indefinite" restart="never" nodeType="tmRoot"/>
       </p:par>
     </p:tnLst>
   </p:timing>
@@ -14013,7 +14028,7 @@
           <p:cNvPr id="2" name="Title 1">
             <a:extLst>
               <a:ext uri="{FF2B5EF4-FFF2-40B4-BE49-F238E27FC236}">
-                <a16:creationId xmlns="" xmlns:a16="http://schemas.microsoft.com/office/drawing/2014/main" id="{6B4D9F9A-308C-3143-AA5E-8A8B10D2EA07}"/>
+                <a16:creationId xmlns:a16="http://schemas.microsoft.com/office/drawing/2014/main" xmlns="" id="{6B4D9F9A-308C-3143-AA5E-8A8B10D2EA07}"/>
               </a:ext>
             </a:extLst>
           </p:cNvPr>
@@ -14047,7 +14062,7 @@
           <p:cNvPr id="3" name="Content Placeholder 2">
             <a:extLst>
               <a:ext uri="{FF2B5EF4-FFF2-40B4-BE49-F238E27FC236}">
-                <a16:creationId xmlns="" xmlns:a16="http://schemas.microsoft.com/office/drawing/2014/main" id="{66257D45-C033-A346-9E0C-51A5778F8A32}"/>
+                <a16:creationId xmlns:a16="http://schemas.microsoft.com/office/drawing/2014/main" xmlns="" id="{66257D45-C033-A346-9E0C-51A5778F8A32}"/>
               </a:ext>
             </a:extLst>
           </p:cNvPr>
@@ -14232,13 +14247,13 @@
   <p:clrMapOvr>
     <a:masterClrMapping/>
   </p:clrMapOvr>
-  <p:transition>
+  <p:transition xmlns:p14="http://schemas.microsoft.com/office/powerpoint/2010/main">
     <p:fade/>
   </p:transition>
   <p:timing>
     <p:tnLst>
       <p:par>
-        <p:cTn id="1" dur="indefinite" restart="never" nodeType="tmRoot"/>
+        <p:cTn xmlns:p14="http://schemas.microsoft.com/office/powerpoint/2010/main" id="1" dur="indefinite" restart="never" nodeType="tmRoot"/>
       </p:par>
     </p:tnLst>
   </p:timing>
@@ -14267,7 +14282,7 @@
           <p:cNvPr id="2" name="Title 1">
             <a:extLst>
               <a:ext uri="{FF2B5EF4-FFF2-40B4-BE49-F238E27FC236}">
-                <a16:creationId xmlns="" xmlns:a16="http://schemas.microsoft.com/office/drawing/2014/main" id="{6B4D9F9A-308C-3143-AA5E-8A8B10D2EA07}"/>
+                <a16:creationId xmlns:a16="http://schemas.microsoft.com/office/drawing/2014/main" xmlns="" id="{6B4D9F9A-308C-3143-AA5E-8A8B10D2EA07}"/>
               </a:ext>
             </a:extLst>
           </p:cNvPr>
@@ -14301,7 +14316,7 @@
           <p:cNvPr id="6" name="Content Placeholder 2">
             <a:extLst>
               <a:ext uri="{FF2B5EF4-FFF2-40B4-BE49-F238E27FC236}">
-                <a16:creationId xmlns="" xmlns:a16="http://schemas.microsoft.com/office/drawing/2014/main" id="{66257D45-C033-A346-9E0C-51A5778F8A32}"/>
+                <a16:creationId xmlns:a16="http://schemas.microsoft.com/office/drawing/2014/main" xmlns="" id="{66257D45-C033-A346-9E0C-51A5778F8A32}"/>
               </a:ext>
             </a:extLst>
           </p:cNvPr>
@@ -14721,13 +14736,13 @@
   <p:clrMapOvr>
     <a:masterClrMapping/>
   </p:clrMapOvr>
-  <p:transition>
+  <p:transition xmlns:p14="http://schemas.microsoft.com/office/powerpoint/2010/main">
     <p:fade/>
   </p:transition>
   <p:timing>
     <p:tnLst>
       <p:par>
-        <p:cTn id="1" dur="indefinite" restart="never" nodeType="tmRoot"/>
+        <p:cTn xmlns:p14="http://schemas.microsoft.com/office/powerpoint/2010/main" id="1" dur="indefinite" restart="never" nodeType="tmRoot"/>
       </p:par>
     </p:tnLst>
   </p:timing>
@@ -14756,7 +14771,7 @@
           <p:cNvPr id="2" name="Title 1">
             <a:extLst>
               <a:ext uri="{FF2B5EF4-FFF2-40B4-BE49-F238E27FC236}">
-                <a16:creationId xmlns="" xmlns:a16="http://schemas.microsoft.com/office/drawing/2014/main" id="{6B4D9F9A-308C-3143-AA5E-8A8B10D2EA07}"/>
+                <a16:creationId xmlns:a16="http://schemas.microsoft.com/office/drawing/2014/main" xmlns="" id="{6B4D9F9A-308C-3143-AA5E-8A8B10D2EA07}"/>
               </a:ext>
             </a:extLst>
           </p:cNvPr>
@@ -14790,7 +14805,7 @@
           <p:cNvPr id="3" name="Content Placeholder 2">
             <a:extLst>
               <a:ext uri="{FF2B5EF4-FFF2-40B4-BE49-F238E27FC236}">
-                <a16:creationId xmlns="" xmlns:a16="http://schemas.microsoft.com/office/drawing/2014/main" id="{66257D45-C033-A346-9E0C-51A5778F8A32}"/>
+                <a16:creationId xmlns:a16="http://schemas.microsoft.com/office/drawing/2014/main" xmlns="" id="{66257D45-C033-A346-9E0C-51A5778F8A32}"/>
               </a:ext>
             </a:extLst>
           </p:cNvPr>
@@ -14879,7 +14894,7 @@
         </p:nvGraphicFramePr>
         <p:xfrm>
           <a:off x="403226" y="2322356"/>
-          <a:ext cx="6346827" cy="2509546"/>
+          <a:ext cx="6346827" cy="2584665"/>
         </p:xfrm>
         <a:graphic>
           <a:graphicData uri="http://schemas.openxmlformats.org/drawingml/2006/table">
@@ -15258,13 +15273,13 @@
   <p:clrMapOvr>
     <a:masterClrMapping/>
   </p:clrMapOvr>
-  <p:transition>
+  <p:transition xmlns:p14="http://schemas.microsoft.com/office/powerpoint/2010/main">
     <p:fade/>
   </p:transition>
   <p:timing>
     <p:tnLst>
       <p:par>
-        <p:cTn id="1" dur="indefinite" restart="never" nodeType="tmRoot"/>
+        <p:cTn xmlns:p14="http://schemas.microsoft.com/office/powerpoint/2010/main" id="1" dur="indefinite" restart="never" nodeType="tmRoot"/>
       </p:par>
     </p:tnLst>
   </p:timing>
@@ -15293,7 +15308,7 @@
           <p:cNvPr id="2" name="Title 1">
             <a:extLst>
               <a:ext uri="{FF2B5EF4-FFF2-40B4-BE49-F238E27FC236}">
-                <a16:creationId xmlns="" xmlns:a16="http://schemas.microsoft.com/office/drawing/2014/main" id="{6B4D9F9A-308C-3143-AA5E-8A8B10D2EA07}"/>
+                <a16:creationId xmlns:a16="http://schemas.microsoft.com/office/drawing/2014/main" xmlns="" id="{6B4D9F9A-308C-3143-AA5E-8A8B10D2EA07}"/>
               </a:ext>
             </a:extLst>
           </p:cNvPr>
@@ -15327,7 +15342,7 @@
           <p:cNvPr id="3" name="Content Placeholder 2">
             <a:extLst>
               <a:ext uri="{FF2B5EF4-FFF2-40B4-BE49-F238E27FC236}">
-                <a16:creationId xmlns="" xmlns:a16="http://schemas.microsoft.com/office/drawing/2014/main" id="{66257D45-C033-A346-9E0C-51A5778F8A32}"/>
+                <a16:creationId xmlns:a16="http://schemas.microsoft.com/office/drawing/2014/main" xmlns="" id="{66257D45-C033-A346-9E0C-51A5778F8A32}"/>
               </a:ext>
             </a:extLst>
           </p:cNvPr>
@@ -15429,7 +15444,7 @@
           <p:cNvPr id="4" name="Content Placeholder 2">
             <a:extLst>
               <a:ext uri="{FF2B5EF4-FFF2-40B4-BE49-F238E27FC236}">
-                <a16:creationId xmlns="" xmlns:a16="http://schemas.microsoft.com/office/drawing/2014/main" id="{66257D45-C033-A346-9E0C-51A5778F8A32}"/>
+                <a16:creationId xmlns:a16="http://schemas.microsoft.com/office/drawing/2014/main" xmlns="" id="{66257D45-C033-A346-9E0C-51A5778F8A32}"/>
               </a:ext>
             </a:extLst>
           </p:cNvPr>
@@ -15870,13 +15885,13 @@
   <p:clrMapOvr>
     <a:masterClrMapping/>
   </p:clrMapOvr>
-  <p:transition>
+  <p:transition xmlns:p14="http://schemas.microsoft.com/office/powerpoint/2010/main">
     <p:fade/>
   </p:transition>
   <p:timing>
     <p:tnLst>
       <p:par>
-        <p:cTn id="1" dur="indefinite" restart="never" nodeType="tmRoot"/>
+        <p:cTn xmlns:p14="http://schemas.microsoft.com/office/powerpoint/2010/main" id="1" dur="indefinite" restart="never" nodeType="tmRoot"/>
       </p:par>
     </p:tnLst>
   </p:timing>
@@ -15905,7 +15920,7 @@
           <p:cNvPr id="2" name="Title 1">
             <a:extLst>
               <a:ext uri="{FF2B5EF4-FFF2-40B4-BE49-F238E27FC236}">
-                <a16:creationId xmlns="" xmlns:a16="http://schemas.microsoft.com/office/drawing/2014/main" id="{6B4D9F9A-308C-3143-AA5E-8A8B10D2EA07}"/>
+                <a16:creationId xmlns:a16="http://schemas.microsoft.com/office/drawing/2014/main" xmlns="" id="{6B4D9F9A-308C-3143-AA5E-8A8B10D2EA07}"/>
               </a:ext>
             </a:extLst>
           </p:cNvPr>
@@ -15947,7 +15962,7 @@
           <p:cNvPr id="3" name="Content Placeholder 2">
             <a:extLst>
               <a:ext uri="{FF2B5EF4-FFF2-40B4-BE49-F238E27FC236}">
-                <a16:creationId xmlns="" xmlns:a16="http://schemas.microsoft.com/office/drawing/2014/main" id="{66257D45-C033-A346-9E0C-51A5778F8A32}"/>
+                <a16:creationId xmlns:a16="http://schemas.microsoft.com/office/drawing/2014/main" xmlns="" id="{66257D45-C033-A346-9E0C-51A5778F8A32}"/>
               </a:ext>
             </a:extLst>
           </p:cNvPr>
@@ -16018,7 +16033,7 @@
           <p:cNvPr id="4" name="Content Placeholder 2">
             <a:extLst>
               <a:ext uri="{FF2B5EF4-FFF2-40B4-BE49-F238E27FC236}">
-                <a16:creationId xmlns="" xmlns:a16="http://schemas.microsoft.com/office/drawing/2014/main" id="{66257D45-C033-A346-9E0C-51A5778F8A32}"/>
+                <a16:creationId xmlns:a16="http://schemas.microsoft.com/office/drawing/2014/main" xmlns="" id="{66257D45-C033-A346-9E0C-51A5778F8A32}"/>
               </a:ext>
             </a:extLst>
           </p:cNvPr>
@@ -16479,13 +16494,13 @@
   <p:clrMapOvr>
     <a:masterClrMapping/>
   </p:clrMapOvr>
-  <p:transition>
+  <p:transition xmlns:p14="http://schemas.microsoft.com/office/powerpoint/2010/main">
     <p:fade/>
   </p:transition>
   <p:timing>
     <p:tnLst>
       <p:par>
-        <p:cTn id="1" dur="indefinite" restart="never" nodeType="tmRoot"/>
+        <p:cTn xmlns:p14="http://schemas.microsoft.com/office/powerpoint/2010/main" id="1" dur="indefinite" restart="never" nodeType="tmRoot"/>
       </p:par>
     </p:tnLst>
   </p:timing>
@@ -16687,7 +16702,7 @@
   <a:extraClrSchemeLst/>
   <a:extLst>
     <a:ext uri="{05A4C25C-085E-4340-85A3-A5531E510DB2}">
-      <thm15:themeFamily xmlns:thm15="http://schemas.microsoft.com/office/thememl/2012/main" name="Office Theme" id="{62F939B6-93AF-4DB8-9C6B-D6C7DFDC589F}" vid="{4A3C46E8-61CC-4603-A589-7422A47A8E4A}"/>
+      <thm15:themeFamily xmlns:thm15="http://schemas.microsoft.com/office/thememl/2012/main" xmlns="" name="Office Theme" id="{62F939B6-93AF-4DB8-9C6B-D6C7DFDC589F}" vid="{4A3C46E8-61CC-4603-A589-7422A47A8E4A}"/>
     </a:ext>
   </a:extLst>
 </a:theme>
@@ -17268,7 +17283,7 @@
   <a:extraClrSchemeLst/>
   <a:extLst>
     <a:ext uri="{05A4C25C-085E-4340-85A3-A5531E510DB2}">
-      <thm15:themeFamily xmlns:thm15="http://schemas.microsoft.com/office/thememl/2012/main" name="Office Theme" id="{62F939B6-93AF-4DB8-9C6B-D6C7DFDC589F}" vid="{4A3C46E8-61CC-4603-A589-7422A47A8E4A}"/>
+      <thm15:themeFamily xmlns:thm15="http://schemas.microsoft.com/office/thememl/2012/main" xmlns="" name="Office Theme" id="{62F939B6-93AF-4DB8-9C6B-D6C7DFDC589F}" vid="{4A3C46E8-61CC-4603-A589-7422A47A8E4A}"/>
     </a:ext>
   </a:extLst>
 </a:theme>

--- a/cogDev/Unit_0_slides_CogniDev.pptx
+++ b/cogDev/Unit_0_slides_CogniDev.pptx
@@ -147,7 +147,7 @@
       </p14:sectionLst>
     </p:ext>
     <p:ext uri="{EFAFB233-063F-42B5-8137-9DF3F51BA10A}">
-      <p15:sldGuideLst xmlns:p15="http://schemas.microsoft.com/office/powerpoint/2012/main" xmlns="">
+      <p15:sldGuideLst xmlns="" xmlns:p15="http://schemas.microsoft.com/office/powerpoint/2012/main">
         <p15:guide id="1" orient="horz" pos="2160">
           <p15:clr>
             <a:srgbClr val="A4A3A4"/>
@@ -161,7 +161,7 @@
       </p15:sldGuideLst>
     </p:ext>
     <p:ext uri="{2D200454-40CA-4A62-9FC3-DE9A4176ACB9}">
-      <p15:notesGuideLst xmlns:p15="http://schemas.microsoft.com/office/powerpoint/2012/main" xmlns="">
+      <p15:notesGuideLst xmlns="" xmlns:p15="http://schemas.microsoft.com/office/powerpoint/2012/main">
         <p15:guide id="1" orient="horz" pos="2880">
           <p15:clr>
             <a:srgbClr val="A4A3A4"/>
@@ -10200,7 +10200,7 @@
           <p:cNvPr id="2" name="Title 1">
             <a:extLst>
               <a:ext uri="{FF2B5EF4-FFF2-40B4-BE49-F238E27FC236}">
-                <a16:creationId xmlns:a16="http://schemas.microsoft.com/office/drawing/2014/main" xmlns="" id="{6B4D9F9A-308C-3143-AA5E-8A8B10D2EA07}"/>
+                <a16:creationId xmlns="" xmlns:a16="http://schemas.microsoft.com/office/drawing/2014/main" id="{6B4D9F9A-308C-3143-AA5E-8A8B10D2EA07}"/>
               </a:ext>
             </a:extLst>
           </p:cNvPr>
@@ -10234,7 +10234,7 @@
           <p:cNvPr id="3" name="Content Placeholder 2">
             <a:extLst>
               <a:ext uri="{FF2B5EF4-FFF2-40B4-BE49-F238E27FC236}">
-                <a16:creationId xmlns:a16="http://schemas.microsoft.com/office/drawing/2014/main" xmlns="" id="{66257D45-C033-A346-9E0C-51A5778F8A32}"/>
+                <a16:creationId xmlns="" xmlns:a16="http://schemas.microsoft.com/office/drawing/2014/main" id="{66257D45-C033-A346-9E0C-51A5778F8A32}"/>
               </a:ext>
             </a:extLst>
           </p:cNvPr>
@@ -10305,7 +10305,7 @@
           <p:cNvPr id="4" name="Content Placeholder 2">
             <a:extLst>
               <a:ext uri="{FF2B5EF4-FFF2-40B4-BE49-F238E27FC236}">
-                <a16:creationId xmlns:a16="http://schemas.microsoft.com/office/drawing/2014/main" xmlns="" id="{66257D45-C033-A346-9E0C-51A5778F8A32}"/>
+                <a16:creationId xmlns="" xmlns:a16="http://schemas.microsoft.com/office/drawing/2014/main" id="{66257D45-C033-A346-9E0C-51A5778F8A32}"/>
               </a:ext>
             </a:extLst>
           </p:cNvPr>
@@ -10979,7 +10979,7 @@
           <p:cNvPr id="2" name="Title 1">
             <a:extLst>
               <a:ext uri="{FF2B5EF4-FFF2-40B4-BE49-F238E27FC236}">
-                <a16:creationId xmlns:a16="http://schemas.microsoft.com/office/drawing/2014/main" xmlns="" id="{6B4D9F9A-308C-3143-AA5E-8A8B10D2EA07}"/>
+                <a16:creationId xmlns="" xmlns:a16="http://schemas.microsoft.com/office/drawing/2014/main" id="{6B4D9F9A-308C-3143-AA5E-8A8B10D2EA07}"/>
               </a:ext>
             </a:extLst>
           </p:cNvPr>
@@ -11013,7 +11013,7 @@
           <p:cNvPr id="3" name="Content Placeholder 2">
             <a:extLst>
               <a:ext uri="{FF2B5EF4-FFF2-40B4-BE49-F238E27FC236}">
-                <a16:creationId xmlns:a16="http://schemas.microsoft.com/office/drawing/2014/main" xmlns="" id="{66257D45-C033-A346-9E0C-51A5778F8A32}"/>
+                <a16:creationId xmlns="" xmlns:a16="http://schemas.microsoft.com/office/drawing/2014/main" id="{66257D45-C033-A346-9E0C-51A5778F8A32}"/>
               </a:ext>
             </a:extLst>
           </p:cNvPr>
@@ -11084,7 +11084,7 @@
           <p:cNvPr id="4" name="Content Placeholder 2">
             <a:extLst>
               <a:ext uri="{FF2B5EF4-FFF2-40B4-BE49-F238E27FC236}">
-                <a16:creationId xmlns:a16="http://schemas.microsoft.com/office/drawing/2014/main" xmlns="" id="{66257D45-C033-A346-9E0C-51A5778F8A32}"/>
+                <a16:creationId xmlns="" xmlns:a16="http://schemas.microsoft.com/office/drawing/2014/main" id="{66257D45-C033-A346-9E0C-51A5778F8A32}"/>
               </a:ext>
             </a:extLst>
           </p:cNvPr>
@@ -11525,16 +11525,34 @@
               <a:rPr lang="en-US" sz="1600" dirty="0">
                 <a:sym typeface="Wingdings"/>
               </a:rPr>
-              <a:t>Reflect on it in her first assignment (</a:t>
+              <a:t>Reflect on it in </a:t>
+            </a:r>
+            <a:r>
+              <a:rPr lang="en-US" sz="1600" dirty="0" smtClean="0">
+                <a:sym typeface="Wingdings"/>
+              </a:rPr>
+              <a:t>the first </a:t>
             </a:r>
             <a:r>
               <a:rPr lang="en-US" sz="1600">
                 <a:sym typeface="Wingdings"/>
               </a:rPr>
+              <a:t>assignment </a:t>
+            </a:r>
+            <a:r>
+              <a:rPr lang="en-US" sz="1600" smtClean="0">
+                <a:sym typeface="Wingdings"/>
+              </a:rPr>
+              <a:t>1a (</a:t>
+            </a:r>
+            <a:r>
+              <a:rPr lang="en-US" sz="1600" dirty="0">
+                <a:sym typeface="Wingdings"/>
+              </a:rPr>
               <a:t>see </a:t>
             </a:r>
             <a:r>
-              <a:rPr lang="en-US" sz="1600" smtClean="0">
+              <a:rPr lang="en-US" sz="1600" dirty="0" smtClean="0">
                 <a:sym typeface="Wingdings"/>
               </a:rPr>
               <a:t>slide 13)</a:t>
@@ -11780,7 +11798,7 @@
           <p:cNvPr id="2" name="Title 1">
             <a:extLst>
               <a:ext uri="{FF2B5EF4-FFF2-40B4-BE49-F238E27FC236}">
-                <a16:creationId xmlns:a16="http://schemas.microsoft.com/office/drawing/2014/main" xmlns="" id="{6B4D9F9A-308C-3143-AA5E-8A8B10D2EA07}"/>
+                <a16:creationId xmlns="" xmlns:a16="http://schemas.microsoft.com/office/drawing/2014/main" id="{6B4D9F9A-308C-3143-AA5E-8A8B10D2EA07}"/>
               </a:ext>
             </a:extLst>
           </p:cNvPr>
@@ -11822,7 +11840,7 @@
           <p:cNvPr id="3" name="Content Placeholder 2">
             <a:extLst>
               <a:ext uri="{FF2B5EF4-FFF2-40B4-BE49-F238E27FC236}">
-                <a16:creationId xmlns:a16="http://schemas.microsoft.com/office/drawing/2014/main" xmlns="" id="{66257D45-C033-A346-9E0C-51A5778F8A32}"/>
+                <a16:creationId xmlns="" xmlns:a16="http://schemas.microsoft.com/office/drawing/2014/main" id="{66257D45-C033-A346-9E0C-51A5778F8A32}"/>
               </a:ext>
             </a:extLst>
           </p:cNvPr>
@@ -12105,7 +12123,7 @@
           <p:cNvPr id="12" name="Content Placeholder 2">
             <a:extLst>
               <a:ext uri="{FF2B5EF4-FFF2-40B4-BE49-F238E27FC236}">
-                <a16:creationId xmlns:a16="http://schemas.microsoft.com/office/drawing/2014/main" xmlns="" id="{66257D45-C033-A346-9E0C-51A5778F8A32}"/>
+                <a16:creationId xmlns="" xmlns:a16="http://schemas.microsoft.com/office/drawing/2014/main" id="{66257D45-C033-A346-9E0C-51A5778F8A32}"/>
               </a:ext>
             </a:extLst>
           </p:cNvPr>
@@ -12380,7 +12398,7 @@
           <p:cNvPr id="2" name="Title 1">
             <a:extLst>
               <a:ext uri="{FF2B5EF4-FFF2-40B4-BE49-F238E27FC236}">
-                <a16:creationId xmlns:a16="http://schemas.microsoft.com/office/drawing/2014/main" xmlns="" id="{6B4D9F9A-308C-3143-AA5E-8A8B10D2EA07}"/>
+                <a16:creationId xmlns="" xmlns:a16="http://schemas.microsoft.com/office/drawing/2014/main" id="{6B4D9F9A-308C-3143-AA5E-8A8B10D2EA07}"/>
               </a:ext>
             </a:extLst>
           </p:cNvPr>
@@ -12409,7 +12427,7 @@
           <p:cNvPr id="3" name="Content Placeholder 2">
             <a:extLst>
               <a:ext uri="{FF2B5EF4-FFF2-40B4-BE49-F238E27FC236}">
-                <a16:creationId xmlns:a16="http://schemas.microsoft.com/office/drawing/2014/main" xmlns="" id="{66257D45-C033-A346-9E0C-51A5778F8A32}"/>
+                <a16:creationId xmlns="" xmlns:a16="http://schemas.microsoft.com/office/drawing/2014/main" id="{66257D45-C033-A346-9E0C-51A5778F8A32}"/>
               </a:ext>
             </a:extLst>
           </p:cNvPr>
@@ -12823,7 +12841,7 @@
           <p:cNvPr id="2" name="Title 1">
             <a:extLst>
               <a:ext uri="{FF2B5EF4-FFF2-40B4-BE49-F238E27FC236}">
-                <a16:creationId xmlns:a16="http://schemas.microsoft.com/office/drawing/2014/main" xmlns="" id="{6B4D9F9A-308C-3143-AA5E-8A8B10D2EA07}"/>
+                <a16:creationId xmlns="" xmlns:a16="http://schemas.microsoft.com/office/drawing/2014/main" id="{6B4D9F9A-308C-3143-AA5E-8A8B10D2EA07}"/>
               </a:ext>
             </a:extLst>
           </p:cNvPr>
@@ -12852,7 +12870,7 @@
           <p:cNvPr id="3" name="Content Placeholder 2">
             <a:extLst>
               <a:ext uri="{FF2B5EF4-FFF2-40B4-BE49-F238E27FC236}">
-                <a16:creationId xmlns:a16="http://schemas.microsoft.com/office/drawing/2014/main" xmlns="" id="{66257D45-C033-A346-9E0C-51A5778F8A32}"/>
+                <a16:creationId xmlns="" xmlns:a16="http://schemas.microsoft.com/office/drawing/2014/main" id="{66257D45-C033-A346-9E0C-51A5778F8A32}"/>
               </a:ext>
             </a:extLst>
           </p:cNvPr>
@@ -13190,7 +13208,7 @@
           <p:cNvPr id="2" name="Title 1">
             <a:extLst>
               <a:ext uri="{FF2B5EF4-FFF2-40B4-BE49-F238E27FC236}">
-                <a16:creationId xmlns:a16="http://schemas.microsoft.com/office/drawing/2014/main" xmlns="" id="{6B4D9F9A-308C-3143-AA5E-8A8B10D2EA07}"/>
+                <a16:creationId xmlns="" xmlns:a16="http://schemas.microsoft.com/office/drawing/2014/main" id="{6B4D9F9A-308C-3143-AA5E-8A8B10D2EA07}"/>
               </a:ext>
             </a:extLst>
           </p:cNvPr>
@@ -13219,7 +13237,7 @@
           <p:cNvPr id="3" name="Content Placeholder 2">
             <a:extLst>
               <a:ext uri="{FF2B5EF4-FFF2-40B4-BE49-F238E27FC236}">
-                <a16:creationId xmlns:a16="http://schemas.microsoft.com/office/drawing/2014/main" xmlns="" id="{66257D45-C033-A346-9E0C-51A5778F8A32}"/>
+                <a16:creationId xmlns="" xmlns:a16="http://schemas.microsoft.com/office/drawing/2014/main" id="{66257D45-C033-A346-9E0C-51A5778F8A32}"/>
               </a:ext>
             </a:extLst>
           </p:cNvPr>
@@ -13616,7 +13634,7 @@
           <p:cNvPr id="2" name="Title 1">
             <a:extLst>
               <a:ext uri="{FF2B5EF4-FFF2-40B4-BE49-F238E27FC236}">
-                <a16:creationId xmlns:a16="http://schemas.microsoft.com/office/drawing/2014/main" xmlns="" id="{6B4D9F9A-308C-3143-AA5E-8A8B10D2EA07}"/>
+                <a16:creationId xmlns="" xmlns:a16="http://schemas.microsoft.com/office/drawing/2014/main" id="{6B4D9F9A-308C-3143-AA5E-8A8B10D2EA07}"/>
               </a:ext>
             </a:extLst>
           </p:cNvPr>
@@ -13650,7 +13668,7 @@
           <p:cNvPr id="3" name="Content Placeholder 2">
             <a:extLst>
               <a:ext uri="{FF2B5EF4-FFF2-40B4-BE49-F238E27FC236}">
-                <a16:creationId xmlns:a16="http://schemas.microsoft.com/office/drawing/2014/main" xmlns="" id="{66257D45-C033-A346-9E0C-51A5778F8A32}"/>
+                <a16:creationId xmlns="" xmlns:a16="http://schemas.microsoft.com/office/drawing/2014/main" id="{66257D45-C033-A346-9E0C-51A5778F8A32}"/>
               </a:ext>
             </a:extLst>
           </p:cNvPr>
@@ -13710,7 +13728,7 @@
           <p:cNvPr id="6" name="Content Placeholder 2">
             <a:extLst>
               <a:ext uri="{FF2B5EF4-FFF2-40B4-BE49-F238E27FC236}">
-                <a16:creationId xmlns:a16="http://schemas.microsoft.com/office/drawing/2014/main" xmlns="" id="{66257D45-C033-A346-9E0C-51A5778F8A32}"/>
+                <a16:creationId xmlns="" xmlns:a16="http://schemas.microsoft.com/office/drawing/2014/main" id="{66257D45-C033-A346-9E0C-51A5778F8A32}"/>
               </a:ext>
             </a:extLst>
           </p:cNvPr>
@@ -14028,7 +14046,7 @@
           <p:cNvPr id="2" name="Title 1">
             <a:extLst>
               <a:ext uri="{FF2B5EF4-FFF2-40B4-BE49-F238E27FC236}">
-                <a16:creationId xmlns:a16="http://schemas.microsoft.com/office/drawing/2014/main" xmlns="" id="{6B4D9F9A-308C-3143-AA5E-8A8B10D2EA07}"/>
+                <a16:creationId xmlns="" xmlns:a16="http://schemas.microsoft.com/office/drawing/2014/main" id="{6B4D9F9A-308C-3143-AA5E-8A8B10D2EA07}"/>
               </a:ext>
             </a:extLst>
           </p:cNvPr>
@@ -14062,7 +14080,7 @@
           <p:cNvPr id="3" name="Content Placeholder 2">
             <a:extLst>
               <a:ext uri="{FF2B5EF4-FFF2-40B4-BE49-F238E27FC236}">
-                <a16:creationId xmlns:a16="http://schemas.microsoft.com/office/drawing/2014/main" xmlns="" id="{66257D45-C033-A346-9E0C-51A5778F8A32}"/>
+                <a16:creationId xmlns="" xmlns:a16="http://schemas.microsoft.com/office/drawing/2014/main" id="{66257D45-C033-A346-9E0C-51A5778F8A32}"/>
               </a:ext>
             </a:extLst>
           </p:cNvPr>
@@ -14282,7 +14300,7 @@
           <p:cNvPr id="2" name="Title 1">
             <a:extLst>
               <a:ext uri="{FF2B5EF4-FFF2-40B4-BE49-F238E27FC236}">
-                <a16:creationId xmlns:a16="http://schemas.microsoft.com/office/drawing/2014/main" xmlns="" id="{6B4D9F9A-308C-3143-AA5E-8A8B10D2EA07}"/>
+                <a16:creationId xmlns="" xmlns:a16="http://schemas.microsoft.com/office/drawing/2014/main" id="{6B4D9F9A-308C-3143-AA5E-8A8B10D2EA07}"/>
               </a:ext>
             </a:extLst>
           </p:cNvPr>
@@ -14316,7 +14334,7 @@
           <p:cNvPr id="6" name="Content Placeholder 2">
             <a:extLst>
               <a:ext uri="{FF2B5EF4-FFF2-40B4-BE49-F238E27FC236}">
-                <a16:creationId xmlns:a16="http://schemas.microsoft.com/office/drawing/2014/main" xmlns="" id="{66257D45-C033-A346-9E0C-51A5778F8A32}"/>
+                <a16:creationId xmlns="" xmlns:a16="http://schemas.microsoft.com/office/drawing/2014/main" id="{66257D45-C033-A346-9E0C-51A5778F8A32}"/>
               </a:ext>
             </a:extLst>
           </p:cNvPr>
@@ -14771,7 +14789,7 @@
           <p:cNvPr id="2" name="Title 1">
             <a:extLst>
               <a:ext uri="{FF2B5EF4-FFF2-40B4-BE49-F238E27FC236}">
-                <a16:creationId xmlns:a16="http://schemas.microsoft.com/office/drawing/2014/main" xmlns="" id="{6B4D9F9A-308C-3143-AA5E-8A8B10D2EA07}"/>
+                <a16:creationId xmlns="" xmlns:a16="http://schemas.microsoft.com/office/drawing/2014/main" id="{6B4D9F9A-308C-3143-AA5E-8A8B10D2EA07}"/>
               </a:ext>
             </a:extLst>
           </p:cNvPr>
@@ -14805,7 +14823,7 @@
           <p:cNvPr id="3" name="Content Placeholder 2">
             <a:extLst>
               <a:ext uri="{FF2B5EF4-FFF2-40B4-BE49-F238E27FC236}">
-                <a16:creationId xmlns:a16="http://schemas.microsoft.com/office/drawing/2014/main" xmlns="" id="{66257D45-C033-A346-9E0C-51A5778F8A32}"/>
+                <a16:creationId xmlns="" xmlns:a16="http://schemas.microsoft.com/office/drawing/2014/main" id="{66257D45-C033-A346-9E0C-51A5778F8A32}"/>
               </a:ext>
             </a:extLst>
           </p:cNvPr>
@@ -15308,7 +15326,7 @@
           <p:cNvPr id="2" name="Title 1">
             <a:extLst>
               <a:ext uri="{FF2B5EF4-FFF2-40B4-BE49-F238E27FC236}">
-                <a16:creationId xmlns:a16="http://schemas.microsoft.com/office/drawing/2014/main" xmlns="" id="{6B4D9F9A-308C-3143-AA5E-8A8B10D2EA07}"/>
+                <a16:creationId xmlns="" xmlns:a16="http://schemas.microsoft.com/office/drawing/2014/main" id="{6B4D9F9A-308C-3143-AA5E-8A8B10D2EA07}"/>
               </a:ext>
             </a:extLst>
           </p:cNvPr>
@@ -15342,7 +15360,7 @@
           <p:cNvPr id="3" name="Content Placeholder 2">
             <a:extLst>
               <a:ext uri="{FF2B5EF4-FFF2-40B4-BE49-F238E27FC236}">
-                <a16:creationId xmlns:a16="http://schemas.microsoft.com/office/drawing/2014/main" xmlns="" id="{66257D45-C033-A346-9E0C-51A5778F8A32}"/>
+                <a16:creationId xmlns="" xmlns:a16="http://schemas.microsoft.com/office/drawing/2014/main" id="{66257D45-C033-A346-9E0C-51A5778F8A32}"/>
               </a:ext>
             </a:extLst>
           </p:cNvPr>
@@ -15444,7 +15462,7 @@
           <p:cNvPr id="4" name="Content Placeholder 2">
             <a:extLst>
               <a:ext uri="{FF2B5EF4-FFF2-40B4-BE49-F238E27FC236}">
-                <a16:creationId xmlns:a16="http://schemas.microsoft.com/office/drawing/2014/main" xmlns="" id="{66257D45-C033-A346-9E0C-51A5778F8A32}"/>
+                <a16:creationId xmlns="" xmlns:a16="http://schemas.microsoft.com/office/drawing/2014/main" id="{66257D45-C033-A346-9E0C-51A5778F8A32}"/>
               </a:ext>
             </a:extLst>
           </p:cNvPr>
@@ -15920,7 +15938,7 @@
           <p:cNvPr id="2" name="Title 1">
             <a:extLst>
               <a:ext uri="{FF2B5EF4-FFF2-40B4-BE49-F238E27FC236}">
-                <a16:creationId xmlns:a16="http://schemas.microsoft.com/office/drawing/2014/main" xmlns="" id="{6B4D9F9A-308C-3143-AA5E-8A8B10D2EA07}"/>
+                <a16:creationId xmlns="" xmlns:a16="http://schemas.microsoft.com/office/drawing/2014/main" id="{6B4D9F9A-308C-3143-AA5E-8A8B10D2EA07}"/>
               </a:ext>
             </a:extLst>
           </p:cNvPr>
@@ -15962,7 +15980,7 @@
           <p:cNvPr id="3" name="Content Placeholder 2">
             <a:extLst>
               <a:ext uri="{FF2B5EF4-FFF2-40B4-BE49-F238E27FC236}">
-                <a16:creationId xmlns:a16="http://schemas.microsoft.com/office/drawing/2014/main" xmlns="" id="{66257D45-C033-A346-9E0C-51A5778F8A32}"/>
+                <a16:creationId xmlns="" xmlns:a16="http://schemas.microsoft.com/office/drawing/2014/main" id="{66257D45-C033-A346-9E0C-51A5778F8A32}"/>
               </a:ext>
             </a:extLst>
           </p:cNvPr>
@@ -16033,7 +16051,7 @@
           <p:cNvPr id="4" name="Content Placeholder 2">
             <a:extLst>
               <a:ext uri="{FF2B5EF4-FFF2-40B4-BE49-F238E27FC236}">
-                <a16:creationId xmlns:a16="http://schemas.microsoft.com/office/drawing/2014/main" xmlns="" id="{66257D45-C033-A346-9E0C-51A5778F8A32}"/>
+                <a16:creationId xmlns="" xmlns:a16="http://schemas.microsoft.com/office/drawing/2014/main" id="{66257D45-C033-A346-9E0C-51A5778F8A32}"/>
               </a:ext>
             </a:extLst>
           </p:cNvPr>
@@ -16702,7 +16720,7 @@
   <a:extraClrSchemeLst/>
   <a:extLst>
     <a:ext uri="{05A4C25C-085E-4340-85A3-A5531E510DB2}">
-      <thm15:themeFamily xmlns:thm15="http://schemas.microsoft.com/office/thememl/2012/main" xmlns="" name="Office Theme" id="{62F939B6-93AF-4DB8-9C6B-D6C7DFDC589F}" vid="{4A3C46E8-61CC-4603-A589-7422A47A8E4A}"/>
+      <thm15:themeFamily xmlns="" xmlns:thm15="http://schemas.microsoft.com/office/thememl/2012/main" name="Office Theme" id="{62F939B6-93AF-4DB8-9C6B-D6C7DFDC589F}" vid="{4A3C46E8-61CC-4603-A589-7422A47A8E4A}"/>
     </a:ext>
   </a:extLst>
 </a:theme>
@@ -17283,7 +17301,7 @@
   <a:extraClrSchemeLst/>
   <a:extLst>
     <a:ext uri="{05A4C25C-085E-4340-85A3-A5531E510DB2}">
-      <thm15:themeFamily xmlns:thm15="http://schemas.microsoft.com/office/thememl/2012/main" xmlns="" name="Office Theme" id="{62F939B6-93AF-4DB8-9C6B-D6C7DFDC589F}" vid="{4A3C46E8-61CC-4603-A589-7422A47A8E4A}"/>
+      <thm15:themeFamily xmlns="" xmlns:thm15="http://schemas.microsoft.com/office/thememl/2012/main" name="Office Theme" id="{62F939B6-93AF-4DB8-9C6B-D6C7DFDC589F}" vid="{4A3C46E8-61CC-4603-A589-7422A47A8E4A}"/>
     </a:ext>
   </a:extLst>
 </a:theme>
